--- a/TheDOCroadmap.pptx
+++ b/TheDOCroadmap.pptx
@@ -142,7 +142,7 @@
           <p:cNvPr id="2" name="Title 1">
             <a:extLst>
               <a:ext uri="{FF2B5EF4-FFF2-40B4-BE49-F238E27FC236}">
-                <a16:creationId xmlns:a16="http://schemas.microsoft.com/office/drawing/2014/main" id="{EDD88B11-6CFA-4813-B029-4171C94D220C}"/>
+                <a16:creationId xmlns:a16="http://schemas.microsoft.com/office/drawing/2014/main" xmlns="" id="{EDD88B11-6CFA-4813-B029-4171C94D220C}"/>
               </a:ext>
             </a:extLst>
           </p:cNvPr>
@@ -179,7 +179,7 @@
           <p:cNvPr id="3" name="Subtitle 2">
             <a:extLst>
               <a:ext uri="{FF2B5EF4-FFF2-40B4-BE49-F238E27FC236}">
-                <a16:creationId xmlns:a16="http://schemas.microsoft.com/office/drawing/2014/main" id="{D05F8786-270D-4B8D-A6F3-6AE21F212104}"/>
+                <a16:creationId xmlns:a16="http://schemas.microsoft.com/office/drawing/2014/main" xmlns="" id="{D05F8786-270D-4B8D-A6F3-6AE21F212104}"/>
               </a:ext>
             </a:extLst>
           </p:cNvPr>
@@ -249,7 +249,7 @@
           <p:cNvPr id="4" name="Date Placeholder 3">
             <a:extLst>
               <a:ext uri="{FF2B5EF4-FFF2-40B4-BE49-F238E27FC236}">
-                <a16:creationId xmlns:a16="http://schemas.microsoft.com/office/drawing/2014/main" id="{749DADEF-243B-4D45-AA7E-D1A64183DF70}"/>
+                <a16:creationId xmlns:a16="http://schemas.microsoft.com/office/drawing/2014/main" xmlns="" id="{749DADEF-243B-4D45-AA7E-D1A64183DF70}"/>
               </a:ext>
             </a:extLst>
           </p:cNvPr>
@@ -267,7 +267,7 @@
           <a:p>
             <a:fld id="{1351D45D-B824-41F6-A177-91459DD050E1}" type="datetimeFigureOut">
               <a:rPr lang="en-US" smtClean="0"/>
-              <a:t>9/16/2020</a:t>
+              <a:t>9/17/2020</a:t>
             </a:fld>
             <a:endParaRPr lang="en-US"/>
           </a:p>
@@ -278,7 +278,7 @@
           <p:cNvPr id="5" name="Footer Placeholder 4">
             <a:extLst>
               <a:ext uri="{FF2B5EF4-FFF2-40B4-BE49-F238E27FC236}">
-                <a16:creationId xmlns:a16="http://schemas.microsoft.com/office/drawing/2014/main" id="{A0B13BC3-4B14-4AE7-A542-B3F5A7045818}"/>
+                <a16:creationId xmlns:a16="http://schemas.microsoft.com/office/drawing/2014/main" xmlns="" id="{A0B13BC3-4B14-4AE7-A542-B3F5A7045818}"/>
               </a:ext>
             </a:extLst>
           </p:cNvPr>
@@ -303,7 +303,7 @@
           <p:cNvPr id="6" name="Slide Number Placeholder 5">
             <a:extLst>
               <a:ext uri="{FF2B5EF4-FFF2-40B4-BE49-F238E27FC236}">
-                <a16:creationId xmlns:a16="http://schemas.microsoft.com/office/drawing/2014/main" id="{6B0B6F77-3C7B-4E14-B837-BD9E9B58D41C}"/>
+                <a16:creationId xmlns:a16="http://schemas.microsoft.com/office/drawing/2014/main" xmlns="" id="{6B0B6F77-3C7B-4E14-B837-BD9E9B58D41C}"/>
               </a:ext>
             </a:extLst>
           </p:cNvPr>
@@ -362,7 +362,7 @@
           <p:cNvPr id="2" name="Title 1">
             <a:extLst>
               <a:ext uri="{FF2B5EF4-FFF2-40B4-BE49-F238E27FC236}">
-                <a16:creationId xmlns:a16="http://schemas.microsoft.com/office/drawing/2014/main" id="{1EB4DCAD-F14B-4069-8782-CBB8BB6CBBC7}"/>
+                <a16:creationId xmlns:a16="http://schemas.microsoft.com/office/drawing/2014/main" xmlns="" id="{1EB4DCAD-F14B-4069-8782-CBB8BB6CBBC7}"/>
               </a:ext>
             </a:extLst>
           </p:cNvPr>
@@ -390,7 +390,7 @@
           <p:cNvPr id="3" name="Vertical Text Placeholder 2">
             <a:extLst>
               <a:ext uri="{FF2B5EF4-FFF2-40B4-BE49-F238E27FC236}">
-                <a16:creationId xmlns:a16="http://schemas.microsoft.com/office/drawing/2014/main" id="{FCACA048-B16B-4F79-9A6B-1F9B7D7B8E00}"/>
+                <a16:creationId xmlns:a16="http://schemas.microsoft.com/office/drawing/2014/main" xmlns="" id="{FCACA048-B16B-4F79-9A6B-1F9B7D7B8E00}"/>
               </a:ext>
             </a:extLst>
           </p:cNvPr>
@@ -447,7 +447,7 @@
           <p:cNvPr id="4" name="Date Placeholder 3">
             <a:extLst>
               <a:ext uri="{FF2B5EF4-FFF2-40B4-BE49-F238E27FC236}">
-                <a16:creationId xmlns:a16="http://schemas.microsoft.com/office/drawing/2014/main" id="{A6E69B0F-3C20-45CE-B418-C4C7BBC27DEA}"/>
+                <a16:creationId xmlns:a16="http://schemas.microsoft.com/office/drawing/2014/main" xmlns="" id="{A6E69B0F-3C20-45CE-B418-C4C7BBC27DEA}"/>
               </a:ext>
             </a:extLst>
           </p:cNvPr>
@@ -465,7 +465,7 @@
           <a:p>
             <a:fld id="{1351D45D-B824-41F6-A177-91459DD050E1}" type="datetimeFigureOut">
               <a:rPr lang="en-US" smtClean="0"/>
-              <a:t>9/16/2020</a:t>
+              <a:t>9/17/2020</a:t>
             </a:fld>
             <a:endParaRPr lang="en-US"/>
           </a:p>
@@ -476,7 +476,7 @@
           <p:cNvPr id="5" name="Footer Placeholder 4">
             <a:extLst>
               <a:ext uri="{FF2B5EF4-FFF2-40B4-BE49-F238E27FC236}">
-                <a16:creationId xmlns:a16="http://schemas.microsoft.com/office/drawing/2014/main" id="{3918DE6D-CD98-44F0-843A-929F64D03356}"/>
+                <a16:creationId xmlns:a16="http://schemas.microsoft.com/office/drawing/2014/main" xmlns="" id="{3918DE6D-CD98-44F0-843A-929F64D03356}"/>
               </a:ext>
             </a:extLst>
           </p:cNvPr>
@@ -501,7 +501,7 @@
           <p:cNvPr id="6" name="Slide Number Placeholder 5">
             <a:extLst>
               <a:ext uri="{FF2B5EF4-FFF2-40B4-BE49-F238E27FC236}">
-                <a16:creationId xmlns:a16="http://schemas.microsoft.com/office/drawing/2014/main" id="{F12E3159-D10B-4C23-AE36-DA537EC97F2D}"/>
+                <a16:creationId xmlns:a16="http://schemas.microsoft.com/office/drawing/2014/main" xmlns="" id="{F12E3159-D10B-4C23-AE36-DA537EC97F2D}"/>
               </a:ext>
             </a:extLst>
           </p:cNvPr>
@@ -560,7 +560,7 @@
           <p:cNvPr id="2" name="Vertical Title 1">
             <a:extLst>
               <a:ext uri="{FF2B5EF4-FFF2-40B4-BE49-F238E27FC236}">
-                <a16:creationId xmlns:a16="http://schemas.microsoft.com/office/drawing/2014/main" id="{688823F9-9472-48C5-BB9C-55C9A59D7EEE}"/>
+                <a16:creationId xmlns:a16="http://schemas.microsoft.com/office/drawing/2014/main" xmlns="" id="{688823F9-9472-48C5-BB9C-55C9A59D7EEE}"/>
               </a:ext>
             </a:extLst>
           </p:cNvPr>
@@ -593,7 +593,7 @@
           <p:cNvPr id="3" name="Vertical Text Placeholder 2">
             <a:extLst>
               <a:ext uri="{FF2B5EF4-FFF2-40B4-BE49-F238E27FC236}">
-                <a16:creationId xmlns:a16="http://schemas.microsoft.com/office/drawing/2014/main" id="{B1585CAD-B4E4-46C9-A64A-5692C8FB9C70}"/>
+                <a16:creationId xmlns:a16="http://schemas.microsoft.com/office/drawing/2014/main" xmlns="" id="{B1585CAD-B4E4-46C9-A64A-5692C8FB9C70}"/>
               </a:ext>
             </a:extLst>
           </p:cNvPr>
@@ -655,7 +655,7 @@
           <p:cNvPr id="4" name="Date Placeholder 3">
             <a:extLst>
               <a:ext uri="{FF2B5EF4-FFF2-40B4-BE49-F238E27FC236}">
-                <a16:creationId xmlns:a16="http://schemas.microsoft.com/office/drawing/2014/main" id="{FC2D8D16-919B-4911-9A67-0BD8C2DACB93}"/>
+                <a16:creationId xmlns:a16="http://schemas.microsoft.com/office/drawing/2014/main" xmlns="" id="{FC2D8D16-919B-4911-9A67-0BD8C2DACB93}"/>
               </a:ext>
             </a:extLst>
           </p:cNvPr>
@@ -673,7 +673,7 @@
           <a:p>
             <a:fld id="{1351D45D-B824-41F6-A177-91459DD050E1}" type="datetimeFigureOut">
               <a:rPr lang="en-US" smtClean="0"/>
-              <a:t>9/16/2020</a:t>
+              <a:t>9/17/2020</a:t>
             </a:fld>
             <a:endParaRPr lang="en-US"/>
           </a:p>
@@ -684,7 +684,7 @@
           <p:cNvPr id="5" name="Footer Placeholder 4">
             <a:extLst>
               <a:ext uri="{FF2B5EF4-FFF2-40B4-BE49-F238E27FC236}">
-                <a16:creationId xmlns:a16="http://schemas.microsoft.com/office/drawing/2014/main" id="{E9008621-0141-4470-8955-A6778644BAFF}"/>
+                <a16:creationId xmlns:a16="http://schemas.microsoft.com/office/drawing/2014/main" xmlns="" id="{E9008621-0141-4470-8955-A6778644BAFF}"/>
               </a:ext>
             </a:extLst>
           </p:cNvPr>
@@ -709,7 +709,7 @@
           <p:cNvPr id="6" name="Slide Number Placeholder 5">
             <a:extLst>
               <a:ext uri="{FF2B5EF4-FFF2-40B4-BE49-F238E27FC236}">
-                <a16:creationId xmlns:a16="http://schemas.microsoft.com/office/drawing/2014/main" id="{61DE4D34-D218-4D2E-86B7-00CEB426D1D0}"/>
+                <a16:creationId xmlns:a16="http://schemas.microsoft.com/office/drawing/2014/main" xmlns="" id="{61DE4D34-D218-4D2E-86B7-00CEB426D1D0}"/>
               </a:ext>
             </a:extLst>
           </p:cNvPr>
@@ -768,7 +768,7 @@
           <p:cNvPr id="2" name="Title 1">
             <a:extLst>
               <a:ext uri="{FF2B5EF4-FFF2-40B4-BE49-F238E27FC236}">
-                <a16:creationId xmlns:a16="http://schemas.microsoft.com/office/drawing/2014/main" id="{CCFCD8F8-762E-40B0-81D9-F44D41AFFFF5}"/>
+                <a16:creationId xmlns:a16="http://schemas.microsoft.com/office/drawing/2014/main" xmlns="" id="{CCFCD8F8-762E-40B0-81D9-F44D41AFFFF5}"/>
               </a:ext>
             </a:extLst>
           </p:cNvPr>
@@ -796,7 +796,7 @@
           <p:cNvPr id="3" name="Content Placeholder 2">
             <a:extLst>
               <a:ext uri="{FF2B5EF4-FFF2-40B4-BE49-F238E27FC236}">
-                <a16:creationId xmlns:a16="http://schemas.microsoft.com/office/drawing/2014/main" id="{6EE9C447-2FB1-46E6-90AD-568DCCE42451}"/>
+                <a16:creationId xmlns:a16="http://schemas.microsoft.com/office/drawing/2014/main" xmlns="" id="{6EE9C447-2FB1-46E6-90AD-568DCCE42451}"/>
               </a:ext>
             </a:extLst>
           </p:cNvPr>
@@ -853,7 +853,7 @@
           <p:cNvPr id="4" name="Date Placeholder 3">
             <a:extLst>
               <a:ext uri="{FF2B5EF4-FFF2-40B4-BE49-F238E27FC236}">
-                <a16:creationId xmlns:a16="http://schemas.microsoft.com/office/drawing/2014/main" id="{AF17FAED-E919-4762-A5ED-7BB99942DA56}"/>
+                <a16:creationId xmlns:a16="http://schemas.microsoft.com/office/drawing/2014/main" xmlns="" id="{AF17FAED-E919-4762-A5ED-7BB99942DA56}"/>
               </a:ext>
             </a:extLst>
           </p:cNvPr>
@@ -871,7 +871,7 @@
           <a:p>
             <a:fld id="{1351D45D-B824-41F6-A177-91459DD050E1}" type="datetimeFigureOut">
               <a:rPr lang="en-US" smtClean="0"/>
-              <a:t>9/16/2020</a:t>
+              <a:t>9/17/2020</a:t>
             </a:fld>
             <a:endParaRPr lang="en-US"/>
           </a:p>
@@ -882,7 +882,7 @@
           <p:cNvPr id="5" name="Footer Placeholder 4">
             <a:extLst>
               <a:ext uri="{FF2B5EF4-FFF2-40B4-BE49-F238E27FC236}">
-                <a16:creationId xmlns:a16="http://schemas.microsoft.com/office/drawing/2014/main" id="{C8BF99C6-80B4-47A6-B90F-8DF1302D162C}"/>
+                <a16:creationId xmlns:a16="http://schemas.microsoft.com/office/drawing/2014/main" xmlns="" id="{C8BF99C6-80B4-47A6-B90F-8DF1302D162C}"/>
               </a:ext>
             </a:extLst>
           </p:cNvPr>
@@ -907,7 +907,7 @@
           <p:cNvPr id="6" name="Slide Number Placeholder 5">
             <a:extLst>
               <a:ext uri="{FF2B5EF4-FFF2-40B4-BE49-F238E27FC236}">
-                <a16:creationId xmlns:a16="http://schemas.microsoft.com/office/drawing/2014/main" id="{DD1DFCE2-9F4E-4501-A67B-435979F16CE8}"/>
+                <a16:creationId xmlns:a16="http://schemas.microsoft.com/office/drawing/2014/main" xmlns="" id="{DD1DFCE2-9F4E-4501-A67B-435979F16CE8}"/>
               </a:ext>
             </a:extLst>
           </p:cNvPr>
@@ -966,7 +966,7 @@
           <p:cNvPr id="2" name="Title 1">
             <a:extLst>
               <a:ext uri="{FF2B5EF4-FFF2-40B4-BE49-F238E27FC236}">
-                <a16:creationId xmlns:a16="http://schemas.microsoft.com/office/drawing/2014/main" id="{A50505F0-1C71-4C57-9977-F8DAE17EAF1F}"/>
+                <a16:creationId xmlns:a16="http://schemas.microsoft.com/office/drawing/2014/main" xmlns="" id="{A50505F0-1C71-4C57-9977-F8DAE17EAF1F}"/>
               </a:ext>
             </a:extLst>
           </p:cNvPr>
@@ -1003,7 +1003,7 @@
           <p:cNvPr id="3" name="Text Placeholder 2">
             <a:extLst>
               <a:ext uri="{FF2B5EF4-FFF2-40B4-BE49-F238E27FC236}">
-                <a16:creationId xmlns:a16="http://schemas.microsoft.com/office/drawing/2014/main" id="{5ACD46A5-989D-4A6C-9E6E-A65C9B0F9869}"/>
+                <a16:creationId xmlns:a16="http://schemas.microsoft.com/office/drawing/2014/main" xmlns="" id="{5ACD46A5-989D-4A6C-9E6E-A65C9B0F9869}"/>
               </a:ext>
             </a:extLst>
           </p:cNvPr>
@@ -1128,7 +1128,7 @@
           <p:cNvPr id="4" name="Date Placeholder 3">
             <a:extLst>
               <a:ext uri="{FF2B5EF4-FFF2-40B4-BE49-F238E27FC236}">
-                <a16:creationId xmlns:a16="http://schemas.microsoft.com/office/drawing/2014/main" id="{67D78095-C9F0-4DAA-819A-25290D5346C6}"/>
+                <a16:creationId xmlns:a16="http://schemas.microsoft.com/office/drawing/2014/main" xmlns="" id="{67D78095-C9F0-4DAA-819A-25290D5346C6}"/>
               </a:ext>
             </a:extLst>
           </p:cNvPr>
@@ -1146,7 +1146,7 @@
           <a:p>
             <a:fld id="{1351D45D-B824-41F6-A177-91459DD050E1}" type="datetimeFigureOut">
               <a:rPr lang="en-US" smtClean="0"/>
-              <a:t>9/16/2020</a:t>
+              <a:t>9/17/2020</a:t>
             </a:fld>
             <a:endParaRPr lang="en-US"/>
           </a:p>
@@ -1157,7 +1157,7 @@
           <p:cNvPr id="5" name="Footer Placeholder 4">
             <a:extLst>
               <a:ext uri="{FF2B5EF4-FFF2-40B4-BE49-F238E27FC236}">
-                <a16:creationId xmlns:a16="http://schemas.microsoft.com/office/drawing/2014/main" id="{C19A176B-2247-4848-841E-AEEAF5130F6B}"/>
+                <a16:creationId xmlns:a16="http://schemas.microsoft.com/office/drawing/2014/main" xmlns="" id="{C19A176B-2247-4848-841E-AEEAF5130F6B}"/>
               </a:ext>
             </a:extLst>
           </p:cNvPr>
@@ -1182,7 +1182,7 @@
           <p:cNvPr id="6" name="Slide Number Placeholder 5">
             <a:extLst>
               <a:ext uri="{FF2B5EF4-FFF2-40B4-BE49-F238E27FC236}">
-                <a16:creationId xmlns:a16="http://schemas.microsoft.com/office/drawing/2014/main" id="{CCE21865-3A7A-4777-BDD8-D8746578CE57}"/>
+                <a16:creationId xmlns:a16="http://schemas.microsoft.com/office/drawing/2014/main" xmlns="" id="{CCE21865-3A7A-4777-BDD8-D8746578CE57}"/>
               </a:ext>
             </a:extLst>
           </p:cNvPr>
@@ -1241,7 +1241,7 @@
           <p:cNvPr id="2" name="Title 1">
             <a:extLst>
               <a:ext uri="{FF2B5EF4-FFF2-40B4-BE49-F238E27FC236}">
-                <a16:creationId xmlns:a16="http://schemas.microsoft.com/office/drawing/2014/main" id="{65B3D337-8877-4091-B5A2-0A9D818D8FB2}"/>
+                <a16:creationId xmlns:a16="http://schemas.microsoft.com/office/drawing/2014/main" xmlns="" id="{65B3D337-8877-4091-B5A2-0A9D818D8FB2}"/>
               </a:ext>
             </a:extLst>
           </p:cNvPr>
@@ -1269,7 +1269,7 @@
           <p:cNvPr id="3" name="Content Placeholder 2">
             <a:extLst>
               <a:ext uri="{FF2B5EF4-FFF2-40B4-BE49-F238E27FC236}">
-                <a16:creationId xmlns:a16="http://schemas.microsoft.com/office/drawing/2014/main" id="{529153AB-BF6F-4002-97AA-D4F2517DC764}"/>
+                <a16:creationId xmlns:a16="http://schemas.microsoft.com/office/drawing/2014/main" xmlns="" id="{529153AB-BF6F-4002-97AA-D4F2517DC764}"/>
               </a:ext>
             </a:extLst>
           </p:cNvPr>
@@ -1331,7 +1331,7 @@
           <p:cNvPr id="4" name="Content Placeholder 3">
             <a:extLst>
               <a:ext uri="{FF2B5EF4-FFF2-40B4-BE49-F238E27FC236}">
-                <a16:creationId xmlns:a16="http://schemas.microsoft.com/office/drawing/2014/main" id="{3E3D40D5-0A90-4952-91D1-C6808E2C00E5}"/>
+                <a16:creationId xmlns:a16="http://schemas.microsoft.com/office/drawing/2014/main" xmlns="" id="{3E3D40D5-0A90-4952-91D1-C6808E2C00E5}"/>
               </a:ext>
             </a:extLst>
           </p:cNvPr>
@@ -1393,7 +1393,7 @@
           <p:cNvPr id="5" name="Date Placeholder 4">
             <a:extLst>
               <a:ext uri="{FF2B5EF4-FFF2-40B4-BE49-F238E27FC236}">
-                <a16:creationId xmlns:a16="http://schemas.microsoft.com/office/drawing/2014/main" id="{85023F4A-18CF-4D78-AE08-A3865A910735}"/>
+                <a16:creationId xmlns:a16="http://schemas.microsoft.com/office/drawing/2014/main" xmlns="" id="{85023F4A-18CF-4D78-AE08-A3865A910735}"/>
               </a:ext>
             </a:extLst>
           </p:cNvPr>
@@ -1411,7 +1411,7 @@
           <a:p>
             <a:fld id="{1351D45D-B824-41F6-A177-91459DD050E1}" type="datetimeFigureOut">
               <a:rPr lang="en-US" smtClean="0"/>
-              <a:t>9/16/2020</a:t>
+              <a:t>9/17/2020</a:t>
             </a:fld>
             <a:endParaRPr lang="en-US"/>
           </a:p>
@@ -1422,7 +1422,7 @@
           <p:cNvPr id="6" name="Footer Placeholder 5">
             <a:extLst>
               <a:ext uri="{FF2B5EF4-FFF2-40B4-BE49-F238E27FC236}">
-                <a16:creationId xmlns:a16="http://schemas.microsoft.com/office/drawing/2014/main" id="{75790E80-36D1-4606-832B-976FD6102D69}"/>
+                <a16:creationId xmlns:a16="http://schemas.microsoft.com/office/drawing/2014/main" xmlns="" id="{75790E80-36D1-4606-832B-976FD6102D69}"/>
               </a:ext>
             </a:extLst>
           </p:cNvPr>
@@ -1447,7 +1447,7 @@
           <p:cNvPr id="7" name="Slide Number Placeholder 6">
             <a:extLst>
               <a:ext uri="{FF2B5EF4-FFF2-40B4-BE49-F238E27FC236}">
-                <a16:creationId xmlns:a16="http://schemas.microsoft.com/office/drawing/2014/main" id="{55B367EC-FE61-45AA-8C96-2B5D2138ACD4}"/>
+                <a16:creationId xmlns:a16="http://schemas.microsoft.com/office/drawing/2014/main" xmlns="" id="{55B367EC-FE61-45AA-8C96-2B5D2138ACD4}"/>
               </a:ext>
             </a:extLst>
           </p:cNvPr>
@@ -1506,7 +1506,7 @@
           <p:cNvPr id="2" name="Title 1">
             <a:extLst>
               <a:ext uri="{FF2B5EF4-FFF2-40B4-BE49-F238E27FC236}">
-                <a16:creationId xmlns:a16="http://schemas.microsoft.com/office/drawing/2014/main" id="{54C2AF47-151E-4534-89C0-A8705E7FDEFD}"/>
+                <a16:creationId xmlns:a16="http://schemas.microsoft.com/office/drawing/2014/main" xmlns="" id="{54C2AF47-151E-4534-89C0-A8705E7FDEFD}"/>
               </a:ext>
             </a:extLst>
           </p:cNvPr>
@@ -1539,7 +1539,7 @@
           <p:cNvPr id="3" name="Text Placeholder 2">
             <a:extLst>
               <a:ext uri="{FF2B5EF4-FFF2-40B4-BE49-F238E27FC236}">
-                <a16:creationId xmlns:a16="http://schemas.microsoft.com/office/drawing/2014/main" id="{0BFB619E-BB99-4677-AF33-A9155311D74B}"/>
+                <a16:creationId xmlns:a16="http://schemas.microsoft.com/office/drawing/2014/main" xmlns="" id="{0BFB619E-BB99-4677-AF33-A9155311D74B}"/>
               </a:ext>
             </a:extLst>
           </p:cNvPr>
@@ -1610,7 +1610,7 @@
           <p:cNvPr id="4" name="Content Placeholder 3">
             <a:extLst>
               <a:ext uri="{FF2B5EF4-FFF2-40B4-BE49-F238E27FC236}">
-                <a16:creationId xmlns:a16="http://schemas.microsoft.com/office/drawing/2014/main" id="{494BE55A-041A-4469-B363-A79FD65BEBB0}"/>
+                <a16:creationId xmlns:a16="http://schemas.microsoft.com/office/drawing/2014/main" xmlns="" id="{494BE55A-041A-4469-B363-A79FD65BEBB0}"/>
               </a:ext>
             </a:extLst>
           </p:cNvPr>
@@ -1672,7 +1672,7 @@
           <p:cNvPr id="5" name="Text Placeholder 4">
             <a:extLst>
               <a:ext uri="{FF2B5EF4-FFF2-40B4-BE49-F238E27FC236}">
-                <a16:creationId xmlns:a16="http://schemas.microsoft.com/office/drawing/2014/main" id="{69169328-0DDC-4ABB-B72E-D575ACF37D9D}"/>
+                <a16:creationId xmlns:a16="http://schemas.microsoft.com/office/drawing/2014/main" xmlns="" id="{69169328-0DDC-4ABB-B72E-D575ACF37D9D}"/>
               </a:ext>
             </a:extLst>
           </p:cNvPr>
@@ -1743,7 +1743,7 @@
           <p:cNvPr id="6" name="Content Placeholder 5">
             <a:extLst>
               <a:ext uri="{FF2B5EF4-FFF2-40B4-BE49-F238E27FC236}">
-                <a16:creationId xmlns:a16="http://schemas.microsoft.com/office/drawing/2014/main" id="{451B562C-D6EA-46A6-83EC-6FA0ACA79375}"/>
+                <a16:creationId xmlns:a16="http://schemas.microsoft.com/office/drawing/2014/main" xmlns="" id="{451B562C-D6EA-46A6-83EC-6FA0ACA79375}"/>
               </a:ext>
             </a:extLst>
           </p:cNvPr>
@@ -1805,7 +1805,7 @@
           <p:cNvPr id="7" name="Date Placeholder 6">
             <a:extLst>
               <a:ext uri="{FF2B5EF4-FFF2-40B4-BE49-F238E27FC236}">
-                <a16:creationId xmlns:a16="http://schemas.microsoft.com/office/drawing/2014/main" id="{5A3E3FAE-4EDE-41C9-BC2F-8826C48FA2A8}"/>
+                <a16:creationId xmlns:a16="http://schemas.microsoft.com/office/drawing/2014/main" xmlns="" id="{5A3E3FAE-4EDE-41C9-BC2F-8826C48FA2A8}"/>
               </a:ext>
             </a:extLst>
           </p:cNvPr>
@@ -1823,7 +1823,7 @@
           <a:p>
             <a:fld id="{1351D45D-B824-41F6-A177-91459DD050E1}" type="datetimeFigureOut">
               <a:rPr lang="en-US" smtClean="0"/>
-              <a:t>9/16/2020</a:t>
+              <a:t>9/17/2020</a:t>
             </a:fld>
             <a:endParaRPr lang="en-US"/>
           </a:p>
@@ -1834,7 +1834,7 @@
           <p:cNvPr id="8" name="Footer Placeholder 7">
             <a:extLst>
               <a:ext uri="{FF2B5EF4-FFF2-40B4-BE49-F238E27FC236}">
-                <a16:creationId xmlns:a16="http://schemas.microsoft.com/office/drawing/2014/main" id="{AED24C38-8F84-405A-BC6F-85F35736AD73}"/>
+                <a16:creationId xmlns:a16="http://schemas.microsoft.com/office/drawing/2014/main" xmlns="" id="{AED24C38-8F84-405A-BC6F-85F35736AD73}"/>
               </a:ext>
             </a:extLst>
           </p:cNvPr>
@@ -1859,7 +1859,7 @@
           <p:cNvPr id="9" name="Slide Number Placeholder 8">
             <a:extLst>
               <a:ext uri="{FF2B5EF4-FFF2-40B4-BE49-F238E27FC236}">
-                <a16:creationId xmlns:a16="http://schemas.microsoft.com/office/drawing/2014/main" id="{8913BDA6-E2D3-43D8-9324-D0DD28259ACA}"/>
+                <a16:creationId xmlns:a16="http://schemas.microsoft.com/office/drawing/2014/main" xmlns="" id="{8913BDA6-E2D3-43D8-9324-D0DD28259ACA}"/>
               </a:ext>
             </a:extLst>
           </p:cNvPr>
@@ -1918,7 +1918,7 @@
           <p:cNvPr id="2" name="Title 1">
             <a:extLst>
               <a:ext uri="{FF2B5EF4-FFF2-40B4-BE49-F238E27FC236}">
-                <a16:creationId xmlns:a16="http://schemas.microsoft.com/office/drawing/2014/main" id="{380A0700-4EB5-420E-A9AA-2622F89A2840}"/>
+                <a16:creationId xmlns:a16="http://schemas.microsoft.com/office/drawing/2014/main" xmlns="" id="{380A0700-4EB5-420E-A9AA-2622F89A2840}"/>
               </a:ext>
             </a:extLst>
           </p:cNvPr>
@@ -1946,7 +1946,7 @@
           <p:cNvPr id="3" name="Date Placeholder 2">
             <a:extLst>
               <a:ext uri="{FF2B5EF4-FFF2-40B4-BE49-F238E27FC236}">
-                <a16:creationId xmlns:a16="http://schemas.microsoft.com/office/drawing/2014/main" id="{6B0A9218-18D9-4CBE-A5C1-DF40BA7B2D1F}"/>
+                <a16:creationId xmlns:a16="http://schemas.microsoft.com/office/drawing/2014/main" xmlns="" id="{6B0A9218-18D9-4CBE-A5C1-DF40BA7B2D1F}"/>
               </a:ext>
             </a:extLst>
           </p:cNvPr>
@@ -1964,7 +1964,7 @@
           <a:p>
             <a:fld id="{1351D45D-B824-41F6-A177-91459DD050E1}" type="datetimeFigureOut">
               <a:rPr lang="en-US" smtClean="0"/>
-              <a:t>9/16/2020</a:t>
+              <a:t>9/17/2020</a:t>
             </a:fld>
             <a:endParaRPr lang="en-US"/>
           </a:p>
@@ -1975,7 +1975,7 @@
           <p:cNvPr id="4" name="Footer Placeholder 3">
             <a:extLst>
               <a:ext uri="{FF2B5EF4-FFF2-40B4-BE49-F238E27FC236}">
-                <a16:creationId xmlns:a16="http://schemas.microsoft.com/office/drawing/2014/main" id="{78397C61-4AEC-4618-A540-48B1BD106673}"/>
+                <a16:creationId xmlns:a16="http://schemas.microsoft.com/office/drawing/2014/main" xmlns="" id="{78397C61-4AEC-4618-A540-48B1BD106673}"/>
               </a:ext>
             </a:extLst>
           </p:cNvPr>
@@ -2000,7 +2000,7 @@
           <p:cNvPr id="5" name="Slide Number Placeholder 4">
             <a:extLst>
               <a:ext uri="{FF2B5EF4-FFF2-40B4-BE49-F238E27FC236}">
-                <a16:creationId xmlns:a16="http://schemas.microsoft.com/office/drawing/2014/main" id="{CAB466B6-9200-446E-9598-A0FD7E03FCF9}"/>
+                <a16:creationId xmlns:a16="http://schemas.microsoft.com/office/drawing/2014/main" xmlns="" id="{CAB466B6-9200-446E-9598-A0FD7E03FCF9}"/>
               </a:ext>
             </a:extLst>
           </p:cNvPr>
@@ -2059,7 +2059,7 @@
           <p:cNvPr id="2" name="Date Placeholder 1">
             <a:extLst>
               <a:ext uri="{FF2B5EF4-FFF2-40B4-BE49-F238E27FC236}">
-                <a16:creationId xmlns:a16="http://schemas.microsoft.com/office/drawing/2014/main" id="{BFCF1797-67C6-4982-AE03-071DB435EE32}"/>
+                <a16:creationId xmlns:a16="http://schemas.microsoft.com/office/drawing/2014/main" xmlns="" id="{BFCF1797-67C6-4982-AE03-071DB435EE32}"/>
               </a:ext>
             </a:extLst>
           </p:cNvPr>
@@ -2077,7 +2077,7 @@
           <a:p>
             <a:fld id="{1351D45D-B824-41F6-A177-91459DD050E1}" type="datetimeFigureOut">
               <a:rPr lang="en-US" smtClean="0"/>
-              <a:t>9/16/2020</a:t>
+              <a:t>9/17/2020</a:t>
             </a:fld>
             <a:endParaRPr lang="en-US"/>
           </a:p>
@@ -2088,7 +2088,7 @@
           <p:cNvPr id="3" name="Footer Placeholder 2">
             <a:extLst>
               <a:ext uri="{FF2B5EF4-FFF2-40B4-BE49-F238E27FC236}">
-                <a16:creationId xmlns:a16="http://schemas.microsoft.com/office/drawing/2014/main" id="{756FE418-DA22-4367-861F-43D6ADD50ED5}"/>
+                <a16:creationId xmlns:a16="http://schemas.microsoft.com/office/drawing/2014/main" xmlns="" id="{756FE418-DA22-4367-861F-43D6ADD50ED5}"/>
               </a:ext>
             </a:extLst>
           </p:cNvPr>
@@ -2113,7 +2113,7 @@
           <p:cNvPr id="4" name="Slide Number Placeholder 3">
             <a:extLst>
               <a:ext uri="{FF2B5EF4-FFF2-40B4-BE49-F238E27FC236}">
-                <a16:creationId xmlns:a16="http://schemas.microsoft.com/office/drawing/2014/main" id="{1E7AFF6C-9833-4A92-B45B-7D4063688CDA}"/>
+                <a16:creationId xmlns:a16="http://schemas.microsoft.com/office/drawing/2014/main" xmlns="" id="{1E7AFF6C-9833-4A92-B45B-7D4063688CDA}"/>
               </a:ext>
             </a:extLst>
           </p:cNvPr>
@@ -2172,7 +2172,7 @@
           <p:cNvPr id="2" name="Title 1">
             <a:extLst>
               <a:ext uri="{FF2B5EF4-FFF2-40B4-BE49-F238E27FC236}">
-                <a16:creationId xmlns:a16="http://schemas.microsoft.com/office/drawing/2014/main" id="{A0E7DD12-DCAF-47EB-A78D-9F1C63AEEFB3}"/>
+                <a16:creationId xmlns:a16="http://schemas.microsoft.com/office/drawing/2014/main" xmlns="" id="{A0E7DD12-DCAF-47EB-A78D-9F1C63AEEFB3}"/>
               </a:ext>
             </a:extLst>
           </p:cNvPr>
@@ -2209,7 +2209,7 @@
           <p:cNvPr id="3" name="Content Placeholder 2">
             <a:extLst>
               <a:ext uri="{FF2B5EF4-FFF2-40B4-BE49-F238E27FC236}">
-                <a16:creationId xmlns:a16="http://schemas.microsoft.com/office/drawing/2014/main" id="{ED07A4A9-D21A-4D05-BE06-D07F3438A254}"/>
+                <a16:creationId xmlns:a16="http://schemas.microsoft.com/office/drawing/2014/main" xmlns="" id="{ED07A4A9-D21A-4D05-BE06-D07F3438A254}"/>
               </a:ext>
             </a:extLst>
           </p:cNvPr>
@@ -2299,7 +2299,7 @@
           <p:cNvPr id="4" name="Text Placeholder 3">
             <a:extLst>
               <a:ext uri="{FF2B5EF4-FFF2-40B4-BE49-F238E27FC236}">
-                <a16:creationId xmlns:a16="http://schemas.microsoft.com/office/drawing/2014/main" id="{D98018A8-2520-47D6-845B-E5BAF7AA0CC3}"/>
+                <a16:creationId xmlns:a16="http://schemas.microsoft.com/office/drawing/2014/main" xmlns="" id="{D98018A8-2520-47D6-845B-E5BAF7AA0CC3}"/>
               </a:ext>
             </a:extLst>
           </p:cNvPr>
@@ -2370,7 +2370,7 @@
           <p:cNvPr id="5" name="Date Placeholder 4">
             <a:extLst>
               <a:ext uri="{FF2B5EF4-FFF2-40B4-BE49-F238E27FC236}">
-                <a16:creationId xmlns:a16="http://schemas.microsoft.com/office/drawing/2014/main" id="{93E65723-E09C-4198-9484-A32E65C7F307}"/>
+                <a16:creationId xmlns:a16="http://schemas.microsoft.com/office/drawing/2014/main" xmlns="" id="{93E65723-E09C-4198-9484-A32E65C7F307}"/>
               </a:ext>
             </a:extLst>
           </p:cNvPr>
@@ -2388,7 +2388,7 @@
           <a:p>
             <a:fld id="{1351D45D-B824-41F6-A177-91459DD050E1}" type="datetimeFigureOut">
               <a:rPr lang="en-US" smtClean="0"/>
-              <a:t>9/16/2020</a:t>
+              <a:t>9/17/2020</a:t>
             </a:fld>
             <a:endParaRPr lang="en-US"/>
           </a:p>
@@ -2399,7 +2399,7 @@
           <p:cNvPr id="6" name="Footer Placeholder 5">
             <a:extLst>
               <a:ext uri="{FF2B5EF4-FFF2-40B4-BE49-F238E27FC236}">
-                <a16:creationId xmlns:a16="http://schemas.microsoft.com/office/drawing/2014/main" id="{D59E60BA-01CC-4C87-B590-DB2967C548EF}"/>
+                <a16:creationId xmlns:a16="http://schemas.microsoft.com/office/drawing/2014/main" xmlns="" id="{D59E60BA-01CC-4C87-B590-DB2967C548EF}"/>
               </a:ext>
             </a:extLst>
           </p:cNvPr>
@@ -2424,7 +2424,7 @@
           <p:cNvPr id="7" name="Slide Number Placeholder 6">
             <a:extLst>
               <a:ext uri="{FF2B5EF4-FFF2-40B4-BE49-F238E27FC236}">
-                <a16:creationId xmlns:a16="http://schemas.microsoft.com/office/drawing/2014/main" id="{49A5F6E7-6B81-491B-B428-1511597B8D8A}"/>
+                <a16:creationId xmlns:a16="http://schemas.microsoft.com/office/drawing/2014/main" xmlns="" id="{49A5F6E7-6B81-491B-B428-1511597B8D8A}"/>
               </a:ext>
             </a:extLst>
           </p:cNvPr>
@@ -2483,7 +2483,7 @@
           <p:cNvPr id="2" name="Title 1">
             <a:extLst>
               <a:ext uri="{FF2B5EF4-FFF2-40B4-BE49-F238E27FC236}">
-                <a16:creationId xmlns:a16="http://schemas.microsoft.com/office/drawing/2014/main" id="{212B7ABA-D453-4DBA-8053-32D986988EC6}"/>
+                <a16:creationId xmlns:a16="http://schemas.microsoft.com/office/drawing/2014/main" xmlns="" id="{212B7ABA-D453-4DBA-8053-32D986988EC6}"/>
               </a:ext>
             </a:extLst>
           </p:cNvPr>
@@ -2520,7 +2520,7 @@
           <p:cNvPr id="3" name="Picture Placeholder 2">
             <a:extLst>
               <a:ext uri="{FF2B5EF4-FFF2-40B4-BE49-F238E27FC236}">
-                <a16:creationId xmlns:a16="http://schemas.microsoft.com/office/drawing/2014/main" id="{E3B4C46B-FBAA-4EE5-8D74-EAA19E675F3A}"/>
+                <a16:creationId xmlns:a16="http://schemas.microsoft.com/office/drawing/2014/main" xmlns="" id="{E3B4C46B-FBAA-4EE5-8D74-EAA19E675F3A}"/>
               </a:ext>
             </a:extLst>
           </p:cNvPr>
@@ -2587,7 +2587,7 @@
           <p:cNvPr id="4" name="Text Placeholder 3">
             <a:extLst>
               <a:ext uri="{FF2B5EF4-FFF2-40B4-BE49-F238E27FC236}">
-                <a16:creationId xmlns:a16="http://schemas.microsoft.com/office/drawing/2014/main" id="{1A7BE4AD-D267-462C-9312-5BB942DB1529}"/>
+                <a16:creationId xmlns:a16="http://schemas.microsoft.com/office/drawing/2014/main" xmlns="" id="{1A7BE4AD-D267-462C-9312-5BB942DB1529}"/>
               </a:ext>
             </a:extLst>
           </p:cNvPr>
@@ -2658,7 +2658,7 @@
           <p:cNvPr id="5" name="Date Placeholder 4">
             <a:extLst>
               <a:ext uri="{FF2B5EF4-FFF2-40B4-BE49-F238E27FC236}">
-                <a16:creationId xmlns:a16="http://schemas.microsoft.com/office/drawing/2014/main" id="{8FC36B66-02B3-4CC8-BE1C-70E249561755}"/>
+                <a16:creationId xmlns:a16="http://schemas.microsoft.com/office/drawing/2014/main" xmlns="" id="{8FC36B66-02B3-4CC8-BE1C-70E249561755}"/>
               </a:ext>
             </a:extLst>
           </p:cNvPr>
@@ -2676,7 +2676,7 @@
           <a:p>
             <a:fld id="{1351D45D-B824-41F6-A177-91459DD050E1}" type="datetimeFigureOut">
               <a:rPr lang="en-US" smtClean="0"/>
-              <a:t>9/16/2020</a:t>
+              <a:t>9/17/2020</a:t>
             </a:fld>
             <a:endParaRPr lang="en-US"/>
           </a:p>
@@ -2687,7 +2687,7 @@
           <p:cNvPr id="6" name="Footer Placeholder 5">
             <a:extLst>
               <a:ext uri="{FF2B5EF4-FFF2-40B4-BE49-F238E27FC236}">
-                <a16:creationId xmlns:a16="http://schemas.microsoft.com/office/drawing/2014/main" id="{CBFD032A-4241-4407-9D52-FA16D1274535}"/>
+                <a16:creationId xmlns:a16="http://schemas.microsoft.com/office/drawing/2014/main" xmlns="" id="{CBFD032A-4241-4407-9D52-FA16D1274535}"/>
               </a:ext>
             </a:extLst>
           </p:cNvPr>
@@ -2712,7 +2712,7 @@
           <p:cNvPr id="7" name="Slide Number Placeholder 6">
             <a:extLst>
               <a:ext uri="{FF2B5EF4-FFF2-40B4-BE49-F238E27FC236}">
-                <a16:creationId xmlns:a16="http://schemas.microsoft.com/office/drawing/2014/main" id="{2FC2EC60-32F4-4C9D-8F16-E1F6FB20A54F}"/>
+                <a16:creationId xmlns:a16="http://schemas.microsoft.com/office/drawing/2014/main" xmlns="" id="{2FC2EC60-32F4-4C9D-8F16-E1F6FB20A54F}"/>
               </a:ext>
             </a:extLst>
           </p:cNvPr>
@@ -2776,7 +2776,7 @@
           <p:cNvPr id="2" name="Title Placeholder 1">
             <a:extLst>
               <a:ext uri="{FF2B5EF4-FFF2-40B4-BE49-F238E27FC236}">
-                <a16:creationId xmlns:a16="http://schemas.microsoft.com/office/drawing/2014/main" id="{84A80F36-F948-486F-8BAF-EC3ED7115164}"/>
+                <a16:creationId xmlns:a16="http://schemas.microsoft.com/office/drawing/2014/main" xmlns="" id="{84A80F36-F948-486F-8BAF-EC3ED7115164}"/>
               </a:ext>
             </a:extLst>
           </p:cNvPr>
@@ -2814,7 +2814,7 @@
           <p:cNvPr id="3" name="Text Placeholder 2">
             <a:extLst>
               <a:ext uri="{FF2B5EF4-FFF2-40B4-BE49-F238E27FC236}">
-                <a16:creationId xmlns:a16="http://schemas.microsoft.com/office/drawing/2014/main" id="{58A6BC97-7BFE-4E82-998C-914146FEECA9}"/>
+                <a16:creationId xmlns:a16="http://schemas.microsoft.com/office/drawing/2014/main" xmlns="" id="{58A6BC97-7BFE-4E82-998C-914146FEECA9}"/>
               </a:ext>
             </a:extLst>
           </p:cNvPr>
@@ -2881,7 +2881,7 @@
           <p:cNvPr id="4" name="Date Placeholder 3">
             <a:extLst>
               <a:ext uri="{FF2B5EF4-FFF2-40B4-BE49-F238E27FC236}">
-                <a16:creationId xmlns:a16="http://schemas.microsoft.com/office/drawing/2014/main" id="{8DE4A055-E16D-41BD-AF55-B92586BA0CD9}"/>
+                <a16:creationId xmlns:a16="http://schemas.microsoft.com/office/drawing/2014/main" xmlns="" id="{8DE4A055-E16D-41BD-AF55-B92586BA0CD9}"/>
               </a:ext>
             </a:extLst>
           </p:cNvPr>
@@ -2917,7 +2917,7 @@
           <a:p>
             <a:fld id="{1351D45D-B824-41F6-A177-91459DD050E1}" type="datetimeFigureOut">
               <a:rPr lang="en-US" smtClean="0"/>
-              <a:t>9/16/2020</a:t>
+              <a:t>9/17/2020</a:t>
             </a:fld>
             <a:endParaRPr lang="en-US"/>
           </a:p>
@@ -2928,7 +2928,7 @@
           <p:cNvPr id="5" name="Footer Placeholder 4">
             <a:extLst>
               <a:ext uri="{FF2B5EF4-FFF2-40B4-BE49-F238E27FC236}">
-                <a16:creationId xmlns:a16="http://schemas.microsoft.com/office/drawing/2014/main" id="{FDE1AEBC-404E-44ED-97F5-80FEA9591938}"/>
+                <a16:creationId xmlns:a16="http://schemas.microsoft.com/office/drawing/2014/main" xmlns="" id="{FDE1AEBC-404E-44ED-97F5-80FEA9591938}"/>
               </a:ext>
             </a:extLst>
           </p:cNvPr>
@@ -2971,7 +2971,7 @@
           <p:cNvPr id="6" name="Slide Number Placeholder 5">
             <a:extLst>
               <a:ext uri="{FF2B5EF4-FFF2-40B4-BE49-F238E27FC236}">
-                <a16:creationId xmlns:a16="http://schemas.microsoft.com/office/drawing/2014/main" id="{6374D4ED-6C65-46D6-81FF-615D412E855A}"/>
+                <a16:creationId xmlns:a16="http://schemas.microsoft.com/office/drawing/2014/main" xmlns="" id="{6374D4ED-6C65-46D6-81FF-615D412E855A}"/>
               </a:ext>
             </a:extLst>
           </p:cNvPr>
@@ -3339,7 +3339,7 @@
           <p:cNvPr id="45" name="OTLSHAPE_SL_79f05e8de72e4cc385fce875fa65517f_BackgroundRectangle">
             <a:extLst>
               <a:ext uri="{FF2B5EF4-FFF2-40B4-BE49-F238E27FC236}">
-                <a16:creationId xmlns:a16="http://schemas.microsoft.com/office/drawing/2014/main" id="{3C4DEEDF-5F2D-4EBB-B3ED-1D676F7391CE}"/>
+                <a16:creationId xmlns:a16="http://schemas.microsoft.com/office/drawing/2014/main" xmlns="" id="{3C4DEEDF-5F2D-4EBB-B3ED-1D676F7391CE}"/>
               </a:ext>
             </a:extLst>
           </p:cNvPr>
@@ -3420,8 +3420,8 @@
         </p:nvSpPr>
         <p:spPr>
           <a:xfrm>
-            <a:off x="63500" y="4075938"/>
-            <a:ext cx="11290300" cy="406400"/>
+            <a:off x="72168" y="4024338"/>
+            <a:ext cx="11281632" cy="1131099"/>
           </a:xfrm>
           <a:prstGeom prst="rect">
             <a:avLst/>
@@ -3488,7 +3488,7 @@
         </p:nvSpPr>
         <p:spPr>
           <a:xfrm>
-            <a:off x="63500" y="4545838"/>
+            <a:off x="63500" y="5162136"/>
             <a:ext cx="11290300" cy="406400"/>
           </a:xfrm>
           <a:prstGeom prst="rect">
@@ -3639,7 +3639,7 @@
           <p:cNvPr id="21" name="OTLSHAPE_M_177188707e544830b8ce884a45b14d3a_Connector1">
             <a:extLst>
               <a:ext uri="{FF2B5EF4-FFF2-40B4-BE49-F238E27FC236}">
-                <a16:creationId xmlns:a16="http://schemas.microsoft.com/office/drawing/2014/main" id="{9673448D-729D-4C0C-9DD5-21AC28144E25}"/>
+                <a16:creationId xmlns:a16="http://schemas.microsoft.com/office/drawing/2014/main" xmlns="" id="{9673448D-729D-4C0C-9DD5-21AC28144E25}"/>
               </a:ext>
             </a:extLst>
           </p:cNvPr>
@@ -3690,7 +3690,7 @@
           <p:cNvPr id="4" name="OTLSHAPE_TB_00000000000000000000000000000000_ScaleContainer">
             <a:extLst>
               <a:ext uri="{FF2B5EF4-FFF2-40B4-BE49-F238E27FC236}">
-                <a16:creationId xmlns:a16="http://schemas.microsoft.com/office/drawing/2014/main" id="{D63FBF83-3ECB-4340-91E5-C6B27495F0A0}"/>
+                <a16:creationId xmlns:a16="http://schemas.microsoft.com/office/drawing/2014/main" xmlns="" id="{D63FBF83-3ECB-4340-91E5-C6B27495F0A0}"/>
               </a:ext>
             </a:extLst>
           </p:cNvPr>
@@ -3762,7 +3762,7 @@
           <p:cNvPr id="46" name="OTLSHAPE_SL_79f05e8de72e4cc385fce875fa65517f_HeaderRectangle">
             <a:extLst>
               <a:ext uri="{FF2B5EF4-FFF2-40B4-BE49-F238E27FC236}">
-                <a16:creationId xmlns:a16="http://schemas.microsoft.com/office/drawing/2014/main" id="{DEC09F6D-2D69-4EAF-9FFA-9B739CF53069}"/>
+                <a16:creationId xmlns:a16="http://schemas.microsoft.com/office/drawing/2014/main" xmlns="" id="{DEC09F6D-2D69-4EAF-9FFA-9B739CF53069}"/>
               </a:ext>
             </a:extLst>
           </p:cNvPr>
@@ -3843,8 +3843,8 @@
         </p:nvSpPr>
         <p:spPr>
           <a:xfrm>
-            <a:off x="63500" y="4075938"/>
-            <a:ext cx="660400" cy="406400"/>
+            <a:off x="63500" y="4050538"/>
+            <a:ext cx="669068" cy="1094453"/>
           </a:xfrm>
           <a:prstGeom prst="rect">
             <a:avLst/>
@@ -3911,7 +3911,7 @@
         </p:nvSpPr>
         <p:spPr>
           <a:xfrm>
-            <a:off x="63500" y="4545838"/>
+            <a:off x="34223" y="5162136"/>
             <a:ext cx="660400" cy="406400"/>
           </a:xfrm>
           <a:prstGeom prst="rect">
@@ -3972,7 +3972,7 @@
           <p:cNvPr id="57" name="OTLSHAPE_G_00000000000000000000000000000000_ShapeBelow0">
             <a:extLst>
               <a:ext uri="{FF2B5EF4-FFF2-40B4-BE49-F238E27FC236}">
-                <a16:creationId xmlns:a16="http://schemas.microsoft.com/office/drawing/2014/main" id="{039554A7-6790-48F0-94DA-E4319F8B8615}"/>
+                <a16:creationId xmlns:a16="http://schemas.microsoft.com/office/drawing/2014/main" xmlns="" id="{039554A7-6790-48F0-94DA-E4319F8B8615}"/>
               </a:ext>
             </a:extLst>
           </p:cNvPr>
@@ -4023,7 +4023,7 @@
           <p:cNvPr id="58" name="OTLSHAPE_G_00000000000000000000000000000000_ShapeBelow1">
             <a:extLst>
               <a:ext uri="{FF2B5EF4-FFF2-40B4-BE49-F238E27FC236}">
-                <a16:creationId xmlns:a16="http://schemas.microsoft.com/office/drawing/2014/main" id="{6D225C7A-A90B-4E39-9671-079B3B3213E1}"/>
+                <a16:creationId xmlns:a16="http://schemas.microsoft.com/office/drawing/2014/main" xmlns="" id="{6D225C7A-A90B-4E39-9671-079B3B3213E1}"/>
               </a:ext>
             </a:extLst>
           </p:cNvPr>
@@ -4325,7 +4325,7 @@
           <p:cNvPr id="5" name="OTLSHAPE_TB_00000000000000000000000000000000_ElapsedTime" hidden="1">
             <a:extLst>
               <a:ext uri="{FF2B5EF4-FFF2-40B4-BE49-F238E27FC236}">
-                <a16:creationId xmlns:a16="http://schemas.microsoft.com/office/drawing/2014/main" id="{9528D16E-E026-46FE-AD6C-0602A2F8ACC5}"/>
+                <a16:creationId xmlns:a16="http://schemas.microsoft.com/office/drawing/2014/main" xmlns="" id="{9528D16E-E026-46FE-AD6C-0602A2F8ACC5}"/>
               </a:ext>
             </a:extLst>
           </p:cNvPr>
@@ -4677,7 +4677,7 @@
           <p:cNvPr id="47" name="OTLSHAPE_SL_79f05e8de72e4cc385fce875fa65517f_Header">
             <a:extLst>
               <a:ext uri="{FF2B5EF4-FFF2-40B4-BE49-F238E27FC236}">
-                <a16:creationId xmlns:a16="http://schemas.microsoft.com/office/drawing/2014/main" id="{B2120BBA-1933-4FD7-9CFE-E7091BC07811}"/>
+                <a16:creationId xmlns:a16="http://schemas.microsoft.com/office/drawing/2014/main" xmlns="" id="{B2120BBA-1933-4FD7-9CFE-E7091BC07811}"/>
               </a:ext>
             </a:extLst>
           </p:cNvPr>
@@ -4735,8 +4735,8 @@
         </p:nvSpPr>
         <p:spPr>
           <a:xfrm>
-            <a:off x="63500" y="4186111"/>
-            <a:ext cx="660400" cy="186055"/>
+            <a:off x="63499" y="4040093"/>
+            <a:ext cx="669068" cy="1104898"/>
           </a:xfrm>
           <a:prstGeom prst="rect">
             <a:avLst/>
@@ -4751,7 +4751,7 @@
           <a:p>
             <a:pPr algn="ctr"/>
             <a:r>
-              <a:rPr lang="en-US" sz="1200" smtClean="0">
+              <a:rPr lang="en-US" sz="1200" dirty="0" smtClean="0">
                 <a:solidFill>
                   <a:srgbClr val="253917"/>
                 </a:solidFill>
@@ -4759,7 +4759,7 @@
               </a:rPr>
               <a:t>Back-End</a:t>
             </a:r>
-            <a:endParaRPr lang="en-US" sz="1200">
+            <a:endParaRPr lang="en-US" sz="1200" dirty="0">
               <a:solidFill>
                 <a:srgbClr val="253917"/>
               </a:solidFill>
@@ -4780,7 +4780,7 @@
         </p:nvSpPr>
         <p:spPr>
           <a:xfrm>
-            <a:off x="63500" y="4562983"/>
+            <a:off x="63500" y="5179281"/>
             <a:ext cx="660400" cy="372110"/>
           </a:xfrm>
           <a:prstGeom prst="rect">
@@ -4796,7 +4796,7 @@
           <a:p>
             <a:pPr algn="ctr"/>
             <a:r>
-              <a:rPr lang="en-US" sz="1200" smtClean="0">
+              <a:rPr lang="en-US" sz="1200" dirty="0" smtClean="0">
                 <a:solidFill>
                   <a:srgbClr val="161C23"/>
                 </a:solidFill>
@@ -4804,7 +4804,7 @@
               </a:rPr>
               <a:t>Deployment</a:t>
             </a:r>
-            <a:endParaRPr lang="en-US" sz="1200">
+            <a:endParaRPr lang="en-US" sz="1200" dirty="0">
               <a:solidFill>
                 <a:srgbClr val="161C23"/>
               </a:solidFill>
@@ -4884,7 +4884,7 @@
           <p:cNvPr id="8" name="OTLSHAPE_TB_00000000000000000000000000000000_TimescaleInterval1">
             <a:extLst>
               <a:ext uri="{FF2B5EF4-FFF2-40B4-BE49-F238E27FC236}">
-                <a16:creationId xmlns:a16="http://schemas.microsoft.com/office/drawing/2014/main" id="{702D68D6-BCEE-4CD6-A859-F8FEE9A04302}"/>
+                <a16:creationId xmlns:a16="http://schemas.microsoft.com/office/drawing/2014/main" xmlns="" id="{702D68D6-BCEE-4CD6-A859-F8FEE9A04302}"/>
               </a:ext>
             </a:extLst>
           </p:cNvPr>
@@ -4934,7 +4934,7 @@
           <p:cNvPr id="9" name="OTLSHAPE_TB_00000000000000000000000000000000_TimescaleInterval2">
             <a:extLst>
               <a:ext uri="{FF2B5EF4-FFF2-40B4-BE49-F238E27FC236}">
-                <a16:creationId xmlns:a16="http://schemas.microsoft.com/office/drawing/2014/main" id="{A17A889C-AF6D-42C1-8D05-20E9BED2C076}"/>
+                <a16:creationId xmlns:a16="http://schemas.microsoft.com/office/drawing/2014/main" xmlns="" id="{A17A889C-AF6D-42C1-8D05-20E9BED2C076}"/>
               </a:ext>
             </a:extLst>
           </p:cNvPr>
@@ -4984,7 +4984,7 @@
           <p:cNvPr id="10" name="OTLSHAPE_TB_00000000000000000000000000000000_TimescaleInterval3">
             <a:extLst>
               <a:ext uri="{FF2B5EF4-FFF2-40B4-BE49-F238E27FC236}">
-                <a16:creationId xmlns:a16="http://schemas.microsoft.com/office/drawing/2014/main" id="{0664328E-1473-4111-93BA-CD26B24A80B7}"/>
+                <a16:creationId xmlns:a16="http://schemas.microsoft.com/office/drawing/2014/main" xmlns="" id="{0664328E-1473-4111-93BA-CD26B24A80B7}"/>
               </a:ext>
             </a:extLst>
           </p:cNvPr>
@@ -5034,7 +5034,7 @@
           <p:cNvPr id="20" name="OTLSHAPE_TB_00000000000000000000000000000000_ScaleMarking1">
             <a:extLst>
               <a:ext uri="{FF2B5EF4-FFF2-40B4-BE49-F238E27FC236}">
-                <a16:creationId xmlns:a16="http://schemas.microsoft.com/office/drawing/2014/main" id="{09E6FF19-4953-49FD-9AD0-8981123C6B99}"/>
+                <a16:creationId xmlns:a16="http://schemas.microsoft.com/office/drawing/2014/main" xmlns="" id="{09E6FF19-4953-49FD-9AD0-8981123C6B99}"/>
               </a:ext>
             </a:extLst>
           </p:cNvPr>
@@ -5355,7 +5355,7 @@
           <a:lstStyle/>
           <a:p>
             <a:r>
-              <a:rPr lang="en-US" sz="1000" spc="-4" smtClean="0">
+              <a:rPr lang="en-US" sz="1000" spc="-4" dirty="0" smtClean="0">
                 <a:solidFill>
                   <a:schemeClr val="dk2"/>
                 </a:solidFill>
@@ -5363,7 +5363,7 @@
               </a:rPr>
               <a:t>Sep 23 - Oct 8</a:t>
             </a:r>
-            <a:endParaRPr lang="en-US" sz="1000" spc="-4">
+            <a:endParaRPr lang="en-US" sz="1000" spc="-4" dirty="0">
               <a:solidFill>
                 <a:schemeClr val="dk2"/>
               </a:solidFill>
@@ -5399,7 +5399,7 @@
           <a:lstStyle/>
           <a:p>
             <a:r>
-              <a:rPr lang="en-US" sz="1100" b="1" spc="-10" smtClean="0">
+              <a:rPr lang="en-US" sz="1100" b="1" spc="-10" dirty="0" smtClean="0">
                 <a:solidFill>
                   <a:schemeClr val="dk1"/>
                 </a:solidFill>
@@ -5407,7 +5407,7 @@
               </a:rPr>
               <a:t>HTML+CSS</a:t>
             </a:r>
-            <a:endParaRPr lang="en-US" sz="1100" b="1" spc="-10">
+            <a:endParaRPr lang="en-US" sz="1100" b="1" spc="-10" dirty="0">
               <a:solidFill>
                 <a:schemeClr val="dk1"/>
               </a:solidFill>
@@ -5725,7 +5725,7 @@
           <a:lstStyle/>
           <a:p>
             <a:r>
-              <a:rPr lang="en-US" sz="1100" b="1" spc="-8" smtClean="0">
+              <a:rPr lang="en-US" sz="1100" b="1" spc="-8" dirty="0" err="1" smtClean="0">
                 <a:solidFill>
                   <a:schemeClr val="dk1"/>
                 </a:solidFill>
@@ -5733,7 +5733,7 @@
               </a:rPr>
               <a:t>Javascript</a:t>
             </a:r>
-            <a:endParaRPr lang="en-US" sz="1100" b="1" spc="-8">
+            <a:endParaRPr lang="en-US" sz="1100" b="1" spc="-8" dirty="0">
               <a:solidFill>
                 <a:schemeClr val="dk1"/>
               </a:solidFill>
@@ -5918,7 +5918,7 @@
           <a:lstStyle/>
           <a:p>
             <a:r>
-              <a:rPr lang="en-US" sz="1000" spc="-4" smtClean="0">
+              <a:rPr lang="en-US" sz="1000" spc="-4" dirty="0" smtClean="0">
                 <a:solidFill>
                   <a:schemeClr val="dk2"/>
                 </a:solidFill>
@@ -5926,7 +5926,7 @@
               </a:rPr>
               <a:t>Oct 15 - Oct 16</a:t>
             </a:r>
-            <a:endParaRPr lang="en-US" sz="1000" spc="-4">
+            <a:endParaRPr lang="en-US" sz="1000" spc="-4" dirty="0">
               <a:solidFill>
                 <a:schemeClr val="dk2"/>
               </a:solidFill>
@@ -5962,7 +5962,7 @@
           <a:lstStyle/>
           <a:p>
             <a:r>
-              <a:rPr lang="en-US" sz="1100" b="1" smtClean="0">
+              <a:rPr lang="en-US" sz="1100" b="1" dirty="0" smtClean="0">
                 <a:solidFill>
                   <a:schemeClr val="dk1"/>
                 </a:solidFill>
@@ -5970,7 +5970,7 @@
               </a:rPr>
               <a:t>Implement with database</a:t>
             </a:r>
-            <a:endParaRPr lang="en-US" sz="1100" b="1">
+            <a:endParaRPr lang="en-US" sz="1100" b="1" dirty="0">
               <a:solidFill>
                 <a:schemeClr val="dk1"/>
               </a:solidFill>
@@ -5984,7 +5984,7 @@
           <p:cNvPr id="29" name="OTLSHAPE_M_177188707e544830b8ce884a45b14d3a_Shape">
             <a:extLst>
               <a:ext uri="{FF2B5EF4-FFF2-40B4-BE49-F238E27FC236}">
-                <a16:creationId xmlns:a16="http://schemas.microsoft.com/office/drawing/2014/main" id="{ECDFB61D-AC6B-45F1-A384-6EF28796D17D}"/>
+                <a16:creationId xmlns:a16="http://schemas.microsoft.com/office/drawing/2014/main" xmlns="" id="{ECDFB61D-AC6B-45F1-A384-6EF28796D17D}"/>
               </a:ext>
             </a:extLst>
           </p:cNvPr>
@@ -6056,7 +6056,7 @@
           <p:cNvPr id="27" name="OTLSHAPE_M_177188707e544830b8ce884a45b14d3a_Title">
             <a:extLst>
               <a:ext uri="{FF2B5EF4-FFF2-40B4-BE49-F238E27FC236}">
-                <a16:creationId xmlns:a16="http://schemas.microsoft.com/office/drawing/2014/main" id="{986964FC-E7AC-496E-84F2-2A6DE81A8F68}"/>
+                <a16:creationId xmlns:a16="http://schemas.microsoft.com/office/drawing/2014/main" xmlns="" id="{986964FC-E7AC-496E-84F2-2A6DE81A8F68}"/>
               </a:ext>
             </a:extLst>
           </p:cNvPr>
@@ -6106,7 +6106,7 @@
           <p:cNvPr id="28" name="OTLSHAPE_M_177188707e544830b8ce884a45b14d3a_Date">
             <a:extLst>
               <a:ext uri="{FF2B5EF4-FFF2-40B4-BE49-F238E27FC236}">
-                <a16:creationId xmlns:a16="http://schemas.microsoft.com/office/drawing/2014/main" id="{0C06C5E3-D887-4715-8D48-84E99654EC6F}"/>
+                <a16:creationId xmlns:a16="http://schemas.microsoft.com/office/drawing/2014/main" xmlns="" id="{0C06C5E3-D887-4715-8D48-84E99654EC6F}"/>
               </a:ext>
             </a:extLst>
           </p:cNvPr>
@@ -6156,7 +6156,7 @@
           <p:cNvPr id="212" name="TextBox 211">
             <a:extLst>
               <a:ext uri="{FF2B5EF4-FFF2-40B4-BE49-F238E27FC236}">
-                <a16:creationId xmlns:a16="http://schemas.microsoft.com/office/drawing/2014/main" id="{CDB2FF1F-063A-4956-AEC3-B0105D22CD44}"/>
+                <a16:creationId xmlns:a16="http://schemas.microsoft.com/office/drawing/2014/main" xmlns="" id="{CDB2FF1F-063A-4956-AEC3-B0105D22CD44}"/>
               </a:ext>
             </a:extLst>
           </p:cNvPr>
@@ -6190,6 +6190,603 @@
             <a:endParaRPr lang="en-US" sz="4000" dirty="0">
               <a:latin typeface="Segoe UI" panose="020B0502040204020203" pitchFamily="34" charset="0"/>
               <a:cs typeface="Segoe UI" panose="020B0502040204020203" pitchFamily="34" charset="0"/>
+            </a:endParaRPr>
+          </a:p>
+        </p:txBody>
+      </p:sp>
+      <p:sp>
+        <p:nvSpPr>
+          <p:cNvPr id="59" name="OTLSHAPE_SLT_5de98ffce11144f1a56a8516612800ff_Shape"/>
+          <p:cNvSpPr/>
+          <p:nvPr>
+            <p:custDataLst>
+              <p:tags r:id="rId56"/>
+            </p:custDataLst>
+          </p:nvPr>
+        </p:nvSpPr>
+        <p:spPr>
+          <a:xfrm>
+            <a:off x="2302311" y="4182957"/>
+            <a:ext cx="5008359" cy="146282"/>
+          </a:xfrm>
+          <a:prstGeom prst="chevron">
+            <a:avLst/>
+          </a:prstGeom>
+          <a:solidFill>
+            <a:srgbClr val="00B050"/>
+          </a:solidFill>
+          <a:ln w="12700" cap="flat" cmpd="sng" algn="ctr">
+            <a:noFill/>
+            <a:prstDash val="solid"/>
+            <a:miter lim="800000"/>
+          </a:ln>
+          <a:effectLst/>
+          <a:extLst/>
+        </p:spPr>
+        <p:style>
+          <a:lnRef idx="2">
+            <a:schemeClr val="accent1">
+              <a:shade val="50000"/>
+            </a:schemeClr>
+          </a:lnRef>
+          <a:fillRef idx="1">
+            <a:schemeClr val="accent1"/>
+          </a:fillRef>
+          <a:effectRef idx="0">
+            <a:schemeClr val="accent1"/>
+          </a:effectRef>
+          <a:fontRef idx="minor">
+            <a:schemeClr val="lt1"/>
+          </a:fontRef>
+        </p:style>
+        <p:txBody>
+          <a:bodyPr rtlCol="0" anchor="ctr"/>
+          <a:lstStyle/>
+          <a:p>
+            <a:pPr algn="ctr"/>
+            <a:endParaRPr lang="en-US">
+              <a:solidFill>
+                <a:schemeClr val="tx1"/>
+              </a:solidFill>
+            </a:endParaRPr>
+          </a:p>
+        </p:txBody>
+      </p:sp>
+      <p:sp>
+        <p:nvSpPr>
+          <p:cNvPr id="11" name="TextBox 10"/>
+          <p:cNvSpPr txBox="1"/>
+          <p:nvPr/>
+        </p:nvSpPr>
+        <p:spPr>
+          <a:xfrm>
+            <a:off x="7206137" y="4113006"/>
+            <a:ext cx="929363" cy="738664"/>
+          </a:xfrm>
+          <a:prstGeom prst="rect">
+            <a:avLst/>
+          </a:prstGeom>
+          <a:noFill/>
+        </p:spPr>
+        <p:txBody>
+          <a:bodyPr wrap="square" rtlCol="0">
+            <a:spAutoFit/>
+          </a:bodyPr>
+          <a:lstStyle/>
+          <a:p>
+            <a:r>
+              <a:rPr lang="en-US" sz="1200" b="1" dirty="0" smtClean="0"/>
+              <a:t>Preparation</a:t>
+            </a:r>
+          </a:p>
+          <a:p>
+            <a:endParaRPr lang="en-US" sz="1200" b="1" dirty="0" smtClean="0"/>
+          </a:p>
+          <a:p>
+            <a:endParaRPr lang="en-US" b="1" dirty="0"/>
+          </a:p>
+        </p:txBody>
+      </p:sp>
+      <p:sp>
+        <p:nvSpPr>
+          <p:cNvPr id="61" name="OTLSHAPE_SLT_5de98ffce11144f1a56a8516612800ff_JoinedDate"/>
+          <p:cNvSpPr txBox="1"/>
+          <p:nvPr>
+            <p:custDataLst>
+              <p:tags r:id="rId57"/>
+            </p:custDataLst>
+          </p:nvPr>
+        </p:nvSpPr>
+        <p:spPr>
+          <a:xfrm>
+            <a:off x="1544137" y="4172078"/>
+            <a:ext cx="783482" cy="153888"/>
+          </a:xfrm>
+          <a:prstGeom prst="rect">
+            <a:avLst/>
+          </a:prstGeom>
+          <a:noFill/>
+        </p:spPr>
+        <p:txBody>
+          <a:bodyPr vert="horz" wrap="square" lIns="0" tIns="0" rIns="0" bIns="0" rtlCol="0" anchor="ctr" anchorCtr="0">
+            <a:spAutoFit/>
+          </a:bodyPr>
+          <a:lstStyle/>
+          <a:p>
+            <a:r>
+              <a:rPr lang="en-US" sz="1000" spc="-4" dirty="0" smtClean="0">
+                <a:solidFill>
+                  <a:schemeClr val="dk2"/>
+                </a:solidFill>
+                <a:latin typeface="Calibri" panose="020F0502020204030204" pitchFamily="34" charset="0"/>
+              </a:rPr>
+              <a:t>Sep 23 </a:t>
+            </a:r>
+            <a:r>
+              <a:rPr lang="en-US" sz="1000" spc="-4" dirty="0" smtClean="0">
+                <a:solidFill>
+                  <a:schemeClr val="dk2"/>
+                </a:solidFill>
+                <a:latin typeface="Calibri" panose="020F0502020204030204" pitchFamily="34" charset="0"/>
+              </a:rPr>
+              <a:t>– Oct 5</a:t>
+            </a:r>
+            <a:endParaRPr lang="en-US" sz="1000" spc="-4" dirty="0">
+              <a:solidFill>
+                <a:schemeClr val="dk2"/>
+              </a:solidFill>
+              <a:latin typeface="Calibri" panose="020F0502020204030204" pitchFamily="34" charset="0"/>
+            </a:endParaRPr>
+          </a:p>
+        </p:txBody>
+      </p:sp>
+      <p:sp>
+        <p:nvSpPr>
+          <p:cNvPr id="62" name="OTLSHAPE_SLT_f5b0a7750fa84944b997df0c20a6a784_Shape"/>
+          <p:cNvSpPr/>
+          <p:nvPr>
+            <p:custDataLst>
+              <p:tags r:id="rId58"/>
+            </p:custDataLst>
+          </p:nvPr>
+        </p:nvSpPr>
+        <p:spPr>
+          <a:xfrm>
+            <a:off x="7259231" y="4399190"/>
+            <a:ext cx="1462535" cy="148880"/>
+          </a:xfrm>
+          <a:prstGeom prst="chevron">
+            <a:avLst/>
+          </a:prstGeom>
+          <a:solidFill>
+            <a:srgbClr val="00B050"/>
+          </a:solidFill>
+          <a:ln w="12700" cap="flat" cmpd="sng" algn="ctr">
+            <a:noFill/>
+            <a:prstDash val="solid"/>
+            <a:miter lim="800000"/>
+          </a:ln>
+          <a:effectLst/>
+          <a:extLst/>
+        </p:spPr>
+        <p:style>
+          <a:lnRef idx="2">
+            <a:schemeClr val="accent1">
+              <a:shade val="50000"/>
+            </a:schemeClr>
+          </a:lnRef>
+          <a:fillRef idx="1">
+            <a:schemeClr val="accent1"/>
+          </a:fillRef>
+          <a:effectRef idx="0">
+            <a:schemeClr val="accent1"/>
+          </a:effectRef>
+          <a:fontRef idx="minor">
+            <a:schemeClr val="lt1"/>
+          </a:fontRef>
+        </p:style>
+        <p:txBody>
+          <a:bodyPr rtlCol="0" anchor="ctr"/>
+          <a:lstStyle/>
+          <a:p>
+            <a:pPr algn="ctr"/>
+            <a:endParaRPr lang="en-US">
+              <a:solidFill>
+                <a:schemeClr val="tx1"/>
+              </a:solidFill>
+            </a:endParaRPr>
+          </a:p>
+        </p:txBody>
+      </p:sp>
+      <p:sp>
+        <p:nvSpPr>
+          <p:cNvPr id="64" name="OTLSHAPE_SLT_5de98ffce11144f1a56a8516612800ff_JoinedDate"/>
+          <p:cNvSpPr txBox="1"/>
+          <p:nvPr>
+            <p:custDataLst>
+              <p:tags r:id="rId59"/>
+            </p:custDataLst>
+          </p:nvPr>
+        </p:nvSpPr>
+        <p:spPr>
+          <a:xfrm>
+            <a:off x="6514250" y="4399190"/>
+            <a:ext cx="783482" cy="153888"/>
+          </a:xfrm>
+          <a:prstGeom prst="rect">
+            <a:avLst/>
+          </a:prstGeom>
+          <a:noFill/>
+        </p:spPr>
+        <p:txBody>
+          <a:bodyPr vert="horz" wrap="square" lIns="0" tIns="0" rIns="0" bIns="0" rtlCol="0" anchor="ctr" anchorCtr="0">
+            <a:spAutoFit/>
+          </a:bodyPr>
+          <a:lstStyle/>
+          <a:p>
+            <a:r>
+              <a:rPr lang="en-US" sz="1000" spc="-4" dirty="0" smtClean="0">
+                <a:solidFill>
+                  <a:schemeClr val="dk2"/>
+                </a:solidFill>
+                <a:latin typeface="Calibri" panose="020F0502020204030204" pitchFamily="34" charset="0"/>
+              </a:rPr>
+              <a:t>0ct 5 – Oct 19</a:t>
+            </a:r>
+            <a:endParaRPr lang="en-US" sz="1000" spc="-4" dirty="0">
+              <a:solidFill>
+                <a:schemeClr val="dk2"/>
+              </a:solidFill>
+              <a:latin typeface="Calibri" panose="020F0502020204030204" pitchFamily="34" charset="0"/>
+            </a:endParaRPr>
+          </a:p>
+        </p:txBody>
+      </p:sp>
+      <p:sp>
+        <p:nvSpPr>
+          <p:cNvPr id="65" name="OTLSHAPE_SLT_f5b0a7750fa84944b997df0c20a6a784_Shape"/>
+          <p:cNvSpPr/>
+          <p:nvPr>
+            <p:custDataLst>
+              <p:tags r:id="rId60"/>
+            </p:custDataLst>
+          </p:nvPr>
+        </p:nvSpPr>
+        <p:spPr>
+          <a:xfrm>
+            <a:off x="8644390" y="4409051"/>
+            <a:ext cx="1529814" cy="136787"/>
+          </a:xfrm>
+          <a:prstGeom prst="chevron">
+            <a:avLst/>
+          </a:prstGeom>
+          <a:solidFill>
+            <a:srgbClr val="92D050"/>
+          </a:solidFill>
+          <a:ln w="12700" cap="flat" cmpd="sng" algn="ctr">
+            <a:noFill/>
+            <a:prstDash val="solid"/>
+            <a:miter lim="800000"/>
+          </a:ln>
+          <a:effectLst/>
+          <a:extLst/>
+        </p:spPr>
+        <p:style>
+          <a:lnRef idx="2">
+            <a:schemeClr val="accent1">
+              <a:shade val="50000"/>
+            </a:schemeClr>
+          </a:lnRef>
+          <a:fillRef idx="1">
+            <a:schemeClr val="accent1"/>
+          </a:fillRef>
+          <a:effectRef idx="0">
+            <a:schemeClr val="accent1"/>
+          </a:effectRef>
+          <a:fontRef idx="minor">
+            <a:schemeClr val="lt1"/>
+          </a:fontRef>
+        </p:style>
+        <p:txBody>
+          <a:bodyPr rtlCol="0" anchor="ctr"/>
+          <a:lstStyle/>
+          <a:p>
+            <a:pPr algn="ctr"/>
+            <a:endParaRPr lang="en-US">
+              <a:solidFill>
+                <a:schemeClr val="tx1"/>
+              </a:solidFill>
+            </a:endParaRPr>
+          </a:p>
+        </p:txBody>
+      </p:sp>
+      <p:sp>
+        <p:nvSpPr>
+          <p:cNvPr id="66" name="OTLSHAPE_SLT_5de98ffce11144f1a56a8516612800ff_Title"/>
+          <p:cNvSpPr txBox="1"/>
+          <p:nvPr>
+            <p:custDataLst>
+              <p:tags r:id="rId61"/>
+            </p:custDataLst>
+          </p:nvPr>
+        </p:nvSpPr>
+        <p:spPr>
+          <a:xfrm>
+            <a:off x="7538314" y="4541285"/>
+            <a:ext cx="904368" cy="338554"/>
+          </a:xfrm>
+          <a:prstGeom prst="rect">
+            <a:avLst/>
+          </a:prstGeom>
+          <a:noFill/>
+        </p:spPr>
+        <p:txBody>
+          <a:bodyPr vert="horz" wrap="square" lIns="0" tIns="0" rIns="0" bIns="0" rtlCol="0" anchor="ctr" anchorCtr="0">
+            <a:spAutoFit/>
+          </a:bodyPr>
+          <a:lstStyle/>
+          <a:p>
+            <a:r>
+              <a:rPr lang="en-US" sz="1100" b="1" spc="-10" dirty="0" smtClean="0">
+                <a:solidFill>
+                  <a:schemeClr val="dk1"/>
+                </a:solidFill>
+                <a:latin typeface="Calibri" panose="020F0502020204030204" pitchFamily="34" charset="0"/>
+              </a:rPr>
+              <a:t>Basic website</a:t>
+            </a:r>
+          </a:p>
+          <a:p>
+            <a:endParaRPr lang="en-US" sz="1100" b="1" spc="-10" dirty="0">
+              <a:solidFill>
+                <a:schemeClr val="dk1"/>
+              </a:solidFill>
+              <a:latin typeface="Calibri" panose="020F0502020204030204" pitchFamily="34" charset="0"/>
+            </a:endParaRPr>
+          </a:p>
+        </p:txBody>
+      </p:sp>
+      <p:sp>
+        <p:nvSpPr>
+          <p:cNvPr id="67" name="OTLSHAPE_SLT_5de98ffce11144f1a56a8516612800ff_Title"/>
+          <p:cNvSpPr txBox="1"/>
+          <p:nvPr>
+            <p:custDataLst>
+              <p:tags r:id="rId62"/>
+            </p:custDataLst>
+          </p:nvPr>
+        </p:nvSpPr>
+        <p:spPr>
+          <a:xfrm>
+            <a:off x="8756609" y="4527479"/>
+            <a:ext cx="904368" cy="338554"/>
+          </a:xfrm>
+          <a:prstGeom prst="rect">
+            <a:avLst/>
+          </a:prstGeom>
+          <a:noFill/>
+        </p:spPr>
+        <p:txBody>
+          <a:bodyPr vert="horz" wrap="square" lIns="0" tIns="0" rIns="0" bIns="0" rtlCol="0" anchor="ctr" anchorCtr="0">
+            <a:spAutoFit/>
+          </a:bodyPr>
+          <a:lstStyle/>
+          <a:p>
+            <a:pPr algn="ctr"/>
+            <a:r>
+              <a:rPr lang="en-US" sz="1100" b="1" spc="-10" dirty="0" smtClean="0">
+                <a:solidFill>
+                  <a:schemeClr val="dk1"/>
+                </a:solidFill>
+                <a:latin typeface="Calibri" panose="020F0502020204030204" pitchFamily="34" charset="0"/>
+              </a:rPr>
+              <a:t>Database</a:t>
+            </a:r>
+          </a:p>
+          <a:p>
+            <a:endParaRPr lang="en-US" sz="1100" b="1" spc="-10" dirty="0">
+              <a:solidFill>
+                <a:schemeClr val="dk1"/>
+              </a:solidFill>
+              <a:latin typeface="Calibri" panose="020F0502020204030204" pitchFamily="34" charset="0"/>
+            </a:endParaRPr>
+          </a:p>
+        </p:txBody>
+      </p:sp>
+      <p:sp>
+        <p:nvSpPr>
+          <p:cNvPr id="69" name="OTLSHAPE_SLT_f5b0a7750fa84944b997df0c20a6a784_Title"/>
+          <p:cNvSpPr txBox="1"/>
+          <p:nvPr>
+            <p:custDataLst>
+              <p:tags r:id="rId63"/>
+            </p:custDataLst>
+          </p:nvPr>
+        </p:nvSpPr>
+        <p:spPr>
+          <a:xfrm>
+            <a:off x="10183543" y="4372008"/>
+            <a:ext cx="819807" cy="169277"/>
+          </a:xfrm>
+          <a:prstGeom prst="rect">
+            <a:avLst/>
+          </a:prstGeom>
+          <a:noFill/>
+        </p:spPr>
+        <p:txBody>
+          <a:bodyPr vert="horz" wrap="square" lIns="0" tIns="0" rIns="0" bIns="0" rtlCol="0" anchor="ctr" anchorCtr="0">
+            <a:spAutoFit/>
+          </a:bodyPr>
+          <a:lstStyle/>
+          <a:p>
+            <a:r>
+              <a:rPr lang="en-US" sz="1100" b="1" spc="-8" dirty="0" smtClean="0">
+                <a:solidFill>
+                  <a:schemeClr val="dk1"/>
+                </a:solidFill>
+                <a:latin typeface="Calibri" panose="020F0502020204030204" pitchFamily="34" charset="0"/>
+              </a:rPr>
+              <a:t>Development</a:t>
+            </a:r>
+            <a:endParaRPr lang="en-US" sz="1100" b="1" spc="-8" dirty="0">
+              <a:solidFill>
+                <a:schemeClr val="dk1"/>
+              </a:solidFill>
+              <a:latin typeface="Calibri" panose="020F0502020204030204" pitchFamily="34" charset="0"/>
+            </a:endParaRPr>
+          </a:p>
+        </p:txBody>
+      </p:sp>
+      <p:sp>
+        <p:nvSpPr>
+          <p:cNvPr id="71" name="OTLSHAPE_SLT_f5b0a7750fa84944b997df0c20a6a784_Title"/>
+          <p:cNvSpPr txBox="1"/>
+          <p:nvPr>
+            <p:custDataLst>
+              <p:tags r:id="rId64"/>
+            </p:custDataLst>
+          </p:nvPr>
+        </p:nvSpPr>
+        <p:spPr>
+          <a:xfrm>
+            <a:off x="11041727" y="4613684"/>
+            <a:ext cx="1003960" cy="338554"/>
+          </a:xfrm>
+          <a:prstGeom prst="rect">
+            <a:avLst/>
+          </a:prstGeom>
+          <a:noFill/>
+        </p:spPr>
+        <p:txBody>
+          <a:bodyPr vert="horz" wrap="square" lIns="0" tIns="0" rIns="0" bIns="0" rtlCol="0" anchor="ctr" anchorCtr="0">
+            <a:spAutoFit/>
+          </a:bodyPr>
+          <a:lstStyle/>
+          <a:p>
+            <a:r>
+              <a:rPr lang="en-US" sz="1100" b="1" spc="-8" dirty="0" smtClean="0">
+                <a:solidFill>
+                  <a:schemeClr val="dk1"/>
+                </a:solidFill>
+                <a:latin typeface="Calibri" panose="020F0502020204030204" pitchFamily="34" charset="0"/>
+              </a:rPr>
+              <a:t>Implement with frontend</a:t>
+            </a:r>
+            <a:endParaRPr lang="en-US" sz="1100" b="1" spc="-8" dirty="0">
+              <a:solidFill>
+                <a:schemeClr val="dk1"/>
+              </a:solidFill>
+              <a:latin typeface="Calibri" panose="020F0502020204030204" pitchFamily="34" charset="0"/>
+            </a:endParaRPr>
+          </a:p>
+        </p:txBody>
+      </p:sp>
+      <p:sp>
+        <p:nvSpPr>
+          <p:cNvPr id="72" name="OTLSHAPE_SLT_561b7e76120d48c2ad7ee250cd4f4848_Shape"/>
+          <p:cNvSpPr/>
+          <p:nvPr>
+            <p:custDataLst>
+              <p:tags r:id="rId65"/>
+            </p:custDataLst>
+          </p:nvPr>
+        </p:nvSpPr>
+        <p:spPr>
+          <a:xfrm>
+            <a:off x="10219190" y="4772677"/>
+            <a:ext cx="762000" cy="127000"/>
+          </a:xfrm>
+          <a:prstGeom prst="homePlate">
+            <a:avLst/>
+          </a:prstGeom>
+          <a:solidFill>
+            <a:srgbClr val="FEBA0A"/>
+          </a:solidFill>
+          <a:ln w="12700" cap="flat" cmpd="sng" algn="ctr">
+            <a:noFill/>
+            <a:prstDash val="solid"/>
+            <a:miter lim="800000"/>
+          </a:ln>
+          <a:effectLst/>
+          <a:extLst>
+            <a:ext uri="{91240B29-F687-4F45-9708-019B960494DF}">
+              <a14:hiddenLine xmlns:a14="http://schemas.microsoft.com/office/drawing/2010/main" w="12700" cap="flat" cmpd="sng" algn="ctr">
+                <a:solidFill>
+                  <a:schemeClr val="accent1">
+                    <a:shade val="50000"/>
+                  </a:schemeClr>
+                </a:solidFill>
+                <a:prstDash val="solid"/>
+                <a:miter lim="800000"/>
+              </a14:hiddenLine>
+            </a:ext>
+          </a:extLst>
+        </p:spPr>
+        <p:style>
+          <a:lnRef idx="2">
+            <a:schemeClr val="accent1">
+              <a:shade val="50000"/>
+            </a:schemeClr>
+          </a:lnRef>
+          <a:fillRef idx="1">
+            <a:schemeClr val="accent1"/>
+          </a:fillRef>
+          <a:effectRef idx="0">
+            <a:schemeClr val="accent1"/>
+          </a:effectRef>
+          <a:fontRef idx="minor">
+            <a:schemeClr val="lt1"/>
+          </a:fontRef>
+        </p:style>
+        <p:txBody>
+          <a:bodyPr rtlCol="0" anchor="ctr"/>
+          <a:lstStyle/>
+          <a:p>
+            <a:pPr algn="ctr"/>
+            <a:endParaRPr lang="en-US"/>
+          </a:p>
+        </p:txBody>
+      </p:sp>
+      <p:sp>
+        <p:nvSpPr>
+          <p:cNvPr id="73" name="OTLSHAPE_SLT_561b7e76120d48c2ad7ee250cd4f4848_JoinedDate"/>
+          <p:cNvSpPr txBox="1"/>
+          <p:nvPr>
+            <p:custDataLst>
+              <p:tags r:id="rId66"/>
+            </p:custDataLst>
+          </p:nvPr>
+        </p:nvSpPr>
+        <p:spPr>
+          <a:xfrm>
+            <a:off x="9399398" y="4778197"/>
+            <a:ext cx="774700" cy="155025"/>
+          </a:xfrm>
+          <a:prstGeom prst="rect">
+            <a:avLst/>
+          </a:prstGeom>
+          <a:noFill/>
+        </p:spPr>
+        <p:txBody>
+          <a:bodyPr vert="horz" wrap="square" lIns="0" tIns="0" rIns="0" bIns="0" rtlCol="0" anchor="ctr" anchorCtr="0">
+            <a:spAutoFit/>
+          </a:bodyPr>
+          <a:lstStyle/>
+          <a:p>
+            <a:r>
+              <a:rPr lang="en-US" sz="1000" spc="-4" dirty="0" smtClean="0">
+                <a:solidFill>
+                  <a:schemeClr val="dk2"/>
+                </a:solidFill>
+                <a:latin typeface="Calibri" panose="020F0502020204030204" pitchFamily="34" charset="0"/>
+              </a:rPr>
+              <a:t>Oct 15 - Oct 16</a:t>
+            </a:r>
+            <a:endParaRPr lang="en-US" sz="1000" spc="-4" dirty="0">
+              <a:solidFill>
+                <a:schemeClr val="dk2"/>
+              </a:solidFill>
+              <a:latin typeface="Calibri" panose="020F0502020204030204" pitchFamily="34" charset="0"/>
             </a:endParaRPr>
           </a:p>
         </p:txBody>
@@ -6207,6 +6804,13 @@
   <p:clrMapOvr>
     <a:masterClrMapping/>
   </p:clrMapOvr>
+  <p:timing>
+    <p:tnLst>
+      <p:par>
+        <p:cTn id="1" dur="indefinite" restart="never" nodeType="tmRoot"/>
+      </p:par>
+    </p:tnLst>
+  </p:timing>
 </p:sld>
 </file>
 
@@ -6593,7 +7197,134 @@
 </p:tagLst>
 </file>
 
+<file path=ppt/tags/tag56.xml><?xml version="1.0" encoding="utf-8"?>
+<p:tagLst xmlns:a="http://schemas.openxmlformats.org/drawingml/2006/main" xmlns:r="http://schemas.openxmlformats.org/officeDocument/2006/relationships" xmlns:p="http://schemas.openxmlformats.org/presentationml/2006/main">
+  <p:tag name="OTLDATEFORMATSTRING" val="MMM d"/>
+  <p:tag name="OTLDATEFORMATSEPARATOR" val="/"/>
+  <p:tag name="OTLDATEFORMATUSEUS" val="True"/>
+  <p:tag name="OTLDATEFORMATDATEISVISIBLE" val="True"/>
+  <p:tag name="OTLDATEFORMATTIMEISVISIBLE" val="False"/>
+  <p:tag name="OTLDATEFORMATAMPMDESIGNATOR" val="AmPmLowerCase"/>
+  <p:tag name="OTLDATEFORMATHOURDIGITS" val="H"/>
+  <p:tag name="OTLDATEFORMATTRIM00MINUTES" val="False"/>
+  <p:tag name="OTLWEEKNUMBERINGFORMAT" val="WNFormat1"/>
+  <p:tag name="OTLWEEKNUMBERINGISVISIBLE" val="False"/>
+  <p:tag name="OTLSTARTDATE" val="2020-09-23T23:59:00.0000000Z"/>
+  <p:tag name="OTLENDDATE" val="2020-10-08T23:59:00.0000000Z"/>
+  <p:tag name="OTLPERCENTAGE" val="10"/>
+  <p:tag name="OTLDURATIONFORMAT" val="day"/>
+  <p:tag name="OTLSPACING" val="3"/>
+  <p:tag name="OTLSHAPETHICKNESSTYPE" val="Thin"/>
+  <p:tag name="OTLMARKERSHAPE" val="OTL"/>
+</p:tagLst>
+</file>
+
+<file path=ppt/tags/tag57.xml><?xml version="1.0" encoding="utf-8"?>
+<p:tagLst xmlns:a="http://schemas.openxmlformats.org/drawingml/2006/main" xmlns:r="http://schemas.openxmlformats.org/officeDocument/2006/relationships" xmlns:p="http://schemas.openxmlformats.org/presentationml/2006/main">
+  <p:tag name="OTLMARKERSHAPE" val="OTL"/>
+</p:tagLst>
+</file>
+
+<file path=ppt/tags/tag58.xml><?xml version="1.0" encoding="utf-8"?>
+<p:tagLst xmlns:a="http://schemas.openxmlformats.org/drawingml/2006/main" xmlns:r="http://schemas.openxmlformats.org/officeDocument/2006/relationships" xmlns:p="http://schemas.openxmlformats.org/presentationml/2006/main">
+  <p:tag name="OTLMARKERSHAPE" val="OTL"/>
+  <p:tag name="OTLDATEFORMATSTRING" val="MMM d"/>
+  <p:tag name="OTLDATEFORMATSEPARATOR" val="/"/>
+  <p:tag name="OTLDATEFORMATUSEUS" val="True"/>
+  <p:tag name="OTLDATEFORMATDATEISVISIBLE" val="True"/>
+  <p:tag name="OTLDATEFORMATTIMEISVISIBLE" val="False"/>
+  <p:tag name="OTLDATEFORMATAMPMDESIGNATOR" val="AmPmLowerCase"/>
+  <p:tag name="OTLDATEFORMATHOURDIGITS" val="H"/>
+  <p:tag name="OTLDATEFORMATTRIM00MINUTES" val="False"/>
+  <p:tag name="OTLWEEKNUMBERINGFORMAT" val="WNFormat1"/>
+  <p:tag name="OTLWEEKNUMBERINGISVISIBLE" val="False"/>
+  <p:tag name="OTLSTARTDATE" val="2020-10-08T23:59:00.0000000Z"/>
+  <p:tag name="OTLENDDATE" val="2020-10-15T23:59:00.0000000Z"/>
+  <p:tag name="OTLDURATIONFORMAT" val="day"/>
+  <p:tag name="OTLSPACING" val="3"/>
+  <p:tag name="OTLSHAPETHICKNESSTYPE" val="Thin"/>
+</p:tagLst>
+</file>
+
+<file path=ppt/tags/tag59.xml><?xml version="1.0" encoding="utf-8"?>
+<p:tagLst xmlns:a="http://schemas.openxmlformats.org/drawingml/2006/main" xmlns:r="http://schemas.openxmlformats.org/officeDocument/2006/relationships" xmlns:p="http://schemas.openxmlformats.org/presentationml/2006/main">
+  <p:tag name="OTLMARKERSHAPE" val="OTL"/>
+</p:tagLst>
+</file>
+
 <file path=ppt/tags/tag6.xml><?xml version="1.0" encoding="utf-8"?>
+<p:tagLst xmlns:a="http://schemas.openxmlformats.org/drawingml/2006/main" xmlns:r="http://schemas.openxmlformats.org/officeDocument/2006/relationships" xmlns:p="http://schemas.openxmlformats.org/presentationml/2006/main">
+  <p:tag name="OTLMARKERSHAPE" val="OTL"/>
+</p:tagLst>
+</file>
+
+<file path=ppt/tags/tag60.xml><?xml version="1.0" encoding="utf-8"?>
+<p:tagLst xmlns:a="http://schemas.openxmlformats.org/drawingml/2006/main" xmlns:r="http://schemas.openxmlformats.org/officeDocument/2006/relationships" xmlns:p="http://schemas.openxmlformats.org/presentationml/2006/main">
+  <p:tag name="OTLMARKERSHAPE" val="OTL"/>
+  <p:tag name="OTLDATEFORMATSTRING" val="MMM d"/>
+  <p:tag name="OTLDATEFORMATSEPARATOR" val="/"/>
+  <p:tag name="OTLDATEFORMATUSEUS" val="True"/>
+  <p:tag name="OTLDATEFORMATDATEISVISIBLE" val="True"/>
+  <p:tag name="OTLDATEFORMATTIMEISVISIBLE" val="False"/>
+  <p:tag name="OTLDATEFORMATAMPMDESIGNATOR" val="AmPmLowerCase"/>
+  <p:tag name="OTLDATEFORMATHOURDIGITS" val="H"/>
+  <p:tag name="OTLDATEFORMATTRIM00MINUTES" val="False"/>
+  <p:tag name="OTLWEEKNUMBERINGFORMAT" val="WNFormat1"/>
+  <p:tag name="OTLWEEKNUMBERINGISVISIBLE" val="False"/>
+  <p:tag name="OTLSTARTDATE" val="2020-10-08T23:59:00.0000000Z"/>
+  <p:tag name="OTLENDDATE" val="2020-10-15T23:59:00.0000000Z"/>
+  <p:tag name="OTLDURATIONFORMAT" val="day"/>
+  <p:tag name="OTLSPACING" val="3"/>
+  <p:tag name="OTLSHAPETHICKNESSTYPE" val="Thin"/>
+</p:tagLst>
+</file>
+
+<file path=ppt/tags/tag61.xml><?xml version="1.0" encoding="utf-8"?>
+<p:tagLst xmlns:a="http://schemas.openxmlformats.org/drawingml/2006/main" xmlns:r="http://schemas.openxmlformats.org/officeDocument/2006/relationships" xmlns:p="http://schemas.openxmlformats.org/presentationml/2006/main">
+  <p:tag name="OTLMARKERSHAPE" val="OTL"/>
+</p:tagLst>
+</file>
+
+<file path=ppt/tags/tag62.xml><?xml version="1.0" encoding="utf-8"?>
+<p:tagLst xmlns:a="http://schemas.openxmlformats.org/drawingml/2006/main" xmlns:r="http://schemas.openxmlformats.org/officeDocument/2006/relationships" xmlns:p="http://schemas.openxmlformats.org/presentationml/2006/main">
+  <p:tag name="OTLMARKERSHAPE" val="OTL"/>
+</p:tagLst>
+</file>
+
+<file path=ppt/tags/tag63.xml><?xml version="1.0" encoding="utf-8"?>
+<p:tagLst xmlns:a="http://schemas.openxmlformats.org/drawingml/2006/main" xmlns:r="http://schemas.openxmlformats.org/officeDocument/2006/relationships" xmlns:p="http://schemas.openxmlformats.org/presentationml/2006/main">
+  <p:tag name="OTLMARKERSHAPE" val="OTL"/>
+</p:tagLst>
+</file>
+
+<file path=ppt/tags/tag64.xml><?xml version="1.0" encoding="utf-8"?>
+<p:tagLst xmlns:a="http://schemas.openxmlformats.org/drawingml/2006/main" xmlns:r="http://schemas.openxmlformats.org/officeDocument/2006/relationships" xmlns:p="http://schemas.openxmlformats.org/presentationml/2006/main">
+  <p:tag name="OTLMARKERSHAPE" val="OTL"/>
+</p:tagLst>
+</file>
+
+<file path=ppt/tags/tag65.xml><?xml version="1.0" encoding="utf-8"?>
+<p:tagLst xmlns:a="http://schemas.openxmlformats.org/drawingml/2006/main" xmlns:r="http://schemas.openxmlformats.org/officeDocument/2006/relationships" xmlns:p="http://schemas.openxmlformats.org/presentationml/2006/main">
+  <p:tag name="OTLMARKERSHAPE" val="OTL"/>
+  <p:tag name="OTLDATEFORMATSTRING" val="MMM d"/>
+  <p:tag name="OTLDATEFORMATSEPARATOR" val="/"/>
+  <p:tag name="OTLDATEFORMATUSEUS" val="True"/>
+  <p:tag name="OTLDATEFORMATDATEISVISIBLE" val="True"/>
+  <p:tag name="OTLDATEFORMATTIMEISVISIBLE" val="False"/>
+  <p:tag name="OTLDATEFORMATAMPMDESIGNATOR" val="AmPmLowerCase"/>
+  <p:tag name="OTLDATEFORMATHOURDIGITS" val="H"/>
+  <p:tag name="OTLDATEFORMATTRIM00MINUTES" val="False"/>
+  <p:tag name="OTLWEEKNUMBERINGFORMAT" val="WNFormat1"/>
+  <p:tag name="OTLWEEKNUMBERINGISVISIBLE" val="False"/>
+  <p:tag name="OTLSTARTDATE" val="2020-10-15T00:00:00.0000000Z"/>
+  <p:tag name="OTLENDDATE" val="2020-10-16T23:59:00.0000000Z"/>
+  <p:tag name="OTLDURATIONFORMAT" val="day"/>
+  <p:tag name="OTLSPACING" val="3"/>
+  <p:tag name="OTLSHAPETHICKNESSTYPE" val="Thin"/>
+</p:tagLst>
+</file>
+
+<file path=ppt/tags/tag66.xml><?xml version="1.0" encoding="utf-8"?>
 <p:tagLst xmlns:a="http://schemas.openxmlformats.org/drawingml/2006/main" xmlns:r="http://schemas.openxmlformats.org/officeDocument/2006/relationships" xmlns:p="http://schemas.openxmlformats.org/presentationml/2006/main">
   <p:tag name="OTLMARKERSHAPE" val="OTL"/>
 </p:tagLst>
